--- a/Leçon chimie/LC 23/LC 23 - Diagramme potentiel-pH.pptx
+++ b/Leçon chimie/LC 23/LC 23 - Diagramme potentiel-pH.pptx
@@ -10,7 +10,7 @@
   <p:sldIdLst>
     <p:sldId id="256" r:id="rId2"/>
     <p:sldId id="277" r:id="rId3"/>
-    <p:sldId id="274" r:id="rId4"/>
+    <p:sldId id="302" r:id="rId4"/>
     <p:sldId id="291" r:id="rId5"/>
     <p:sldId id="290" r:id="rId6"/>
     <p:sldId id="289" r:id="rId7"/>
@@ -266,7 +266,7 @@
   </p:defaultTextStyle>
   <p:extLst>
     <p:ext uri="{EFAFB233-063F-42B5-8137-9DF3F51BA10A}">
-      <p15:sldGuideLst xmlns="" xmlns:mc="http://schemas.openxmlformats.org/markup-compatibility/2006" xmlns:mv="urn:schemas-microsoft-com:mac:vml" xmlns:c="http://schemas.openxmlformats.org/drawingml/2006/chart" xmlns:dgm="http://schemas.openxmlformats.org/drawingml/2006/diagram" xmlns:o="urn:schemas-microsoft-com:office:office" xmlns:v="urn:schemas-microsoft-com:vml" xmlns:pvml="urn:schemas-microsoft-com:office:powerpoint" xmlns:com="http://schemas.openxmlformats.org/drawingml/2006/compatibility" xmlns:p14="http://schemas.microsoft.com/office/powerpoint/2010/main" xmlns:p15="http://schemas.microsoft.com/office/powerpoint/2012/main">
+      <p15:sldGuideLst xmlns:p15="http://schemas.microsoft.com/office/powerpoint/2012/main" xmlns:p14="http://schemas.microsoft.com/office/powerpoint/2010/main" xmlns:com="http://schemas.openxmlformats.org/drawingml/2006/compatibility" xmlns:pvml="urn:schemas-microsoft-com:office:powerpoint" xmlns:v="urn:schemas-microsoft-com:vml" xmlns:o="urn:schemas-microsoft-com:office:office" xmlns:dgm="http://schemas.openxmlformats.org/drawingml/2006/diagram" xmlns:c="http://schemas.openxmlformats.org/drawingml/2006/chart" xmlns:mv="urn:schemas-microsoft-com:mac:vml" xmlns:mc="http://schemas.openxmlformats.org/markup-compatibility/2006" xmlns="">
         <p15:guide id="1" orient="horz" pos="1620">
           <p15:clr>
             <a:srgbClr val="A4A3A4"/>
@@ -1287,7 +1287,7 @@
           <a:p>
             <a:fld id="{62253237-6937-4077-8416-FFF866A41361}" type="datetime1">
               <a:rPr lang="fr-FR" smtClean="0"/>
-              <a:t>18/06/20</a:t>
+              <a:t>22/06/20</a:t>
             </a:fld>
             <a:endParaRPr lang="fr-FR"/>
           </a:p>
@@ -3736,7 +3736,7 @@
           <a:p>
             <a:fld id="{DE6FEB24-1155-4371-B688-DDAD01CF823D}" type="datetime1">
               <a:rPr lang="fr-FR" smtClean="0"/>
-              <a:t>18/06/20</a:t>
+              <a:t>22/06/20</a:t>
             </a:fld>
             <a:endParaRPr lang="fr-FR"/>
           </a:p>
@@ -5443,7 +5443,7 @@
           <p:cNvPr id="8" name="Image 7">
             <a:extLst>
               <a:ext uri="{FF2B5EF4-FFF2-40B4-BE49-F238E27FC236}">
-                <a16:creationId xmlns="" xmlns:a16="http://schemas.microsoft.com/office/drawing/2014/main" id="{0EDB6AE1-2739-4380-80E2-3D03EE50543D}"/>
+                <a16:creationId xmlns:a16="http://schemas.microsoft.com/office/drawing/2014/main" xmlns="" id="{0EDB6AE1-2739-4380-80E2-3D03EE50543D}"/>
               </a:ext>
             </a:extLst>
           </p:cNvPr>
@@ -5564,7 +5564,7 @@
           <p:cNvPr id="15" name="Rectangle 14">
             <a:extLst>
               <a:ext uri="{FF2B5EF4-FFF2-40B4-BE49-F238E27FC236}">
-                <a16:creationId xmlns="" xmlns:a16="http://schemas.microsoft.com/office/drawing/2014/main" id="{B890A96C-16A1-4836-8127-39503A86851E}"/>
+                <a16:creationId xmlns:a16="http://schemas.microsoft.com/office/drawing/2014/main" xmlns="" id="{B890A96C-16A1-4836-8127-39503A86851E}"/>
               </a:ext>
             </a:extLst>
           </p:cNvPr>
@@ -5716,7 +5716,7 @@
           <p:cNvPr id="17" name="Ellipse 16">
             <a:extLst>
               <a:ext uri="{FF2B5EF4-FFF2-40B4-BE49-F238E27FC236}">
-                <a16:creationId xmlns="" xmlns:a16="http://schemas.microsoft.com/office/drawing/2014/main" id="{F5221569-AEFD-4962-9321-3D819DBD73C8}"/>
+                <a16:creationId xmlns:a16="http://schemas.microsoft.com/office/drawing/2014/main" xmlns="" id="{F5221569-AEFD-4962-9321-3D819DBD73C8}"/>
               </a:ext>
             </a:extLst>
           </p:cNvPr>
@@ -6031,7 +6031,7 @@
           <p:cNvPr id="4" name="Espace réservé du numéro de diapositive 3">
             <a:extLst>
               <a:ext uri="{FF2B5EF4-FFF2-40B4-BE49-F238E27FC236}">
-                <a16:creationId xmlns="" xmlns:a16="http://schemas.microsoft.com/office/drawing/2014/main" id="{46FC8660-C100-405D-A8DA-B62E957730C5}"/>
+                <a16:creationId xmlns:a16="http://schemas.microsoft.com/office/drawing/2014/main" xmlns="" id="{46FC8660-C100-405D-A8DA-B62E957730C5}"/>
               </a:ext>
             </a:extLst>
           </p:cNvPr>
@@ -6060,7 +6060,7 @@
           <p:cNvPr id="6" name="Espace réservé du contenu 5">
             <a:extLst>
               <a:ext uri="{FF2B5EF4-FFF2-40B4-BE49-F238E27FC236}">
-                <a16:creationId xmlns="" xmlns:a16="http://schemas.microsoft.com/office/drawing/2014/main" id="{39D40C15-FCA8-4729-AE40-3AF0CD2156F5}"/>
+                <a16:creationId xmlns:a16="http://schemas.microsoft.com/office/drawing/2014/main" xmlns="" id="{39D40C15-FCA8-4729-AE40-3AF0CD2156F5}"/>
               </a:ext>
             </a:extLst>
           </p:cNvPr>
@@ -6104,7 +6104,7 @@
           <p:cNvPr id="7" name="Ellipse 6">
             <a:extLst>
               <a:ext uri="{FF2B5EF4-FFF2-40B4-BE49-F238E27FC236}">
-                <a16:creationId xmlns="" xmlns:a16="http://schemas.microsoft.com/office/drawing/2014/main" id="{21482228-4E73-4CBB-901D-ECC186FCC564}"/>
+                <a16:creationId xmlns:a16="http://schemas.microsoft.com/office/drawing/2014/main" xmlns="" id="{21482228-4E73-4CBB-901D-ECC186FCC564}"/>
               </a:ext>
             </a:extLst>
           </p:cNvPr>
@@ -6158,7 +6158,7 @@
           <p:cNvPr id="8" name="Ellipse 7">
             <a:extLst>
               <a:ext uri="{FF2B5EF4-FFF2-40B4-BE49-F238E27FC236}">
-                <a16:creationId xmlns="" xmlns:a16="http://schemas.microsoft.com/office/drawing/2014/main" id="{9167824B-5752-41FE-BB3E-342EEDB6E8EC}"/>
+                <a16:creationId xmlns:a16="http://schemas.microsoft.com/office/drawing/2014/main" xmlns="" id="{9167824B-5752-41FE-BB3E-342EEDB6E8EC}"/>
               </a:ext>
             </a:extLst>
           </p:cNvPr>
@@ -6212,7 +6212,7 @@
           <p:cNvPr id="9" name="Ellipse 8">
             <a:extLst>
               <a:ext uri="{FF2B5EF4-FFF2-40B4-BE49-F238E27FC236}">
-                <a16:creationId xmlns="" xmlns:a16="http://schemas.microsoft.com/office/drawing/2014/main" id="{1E07F556-3686-49BA-B28A-CEB8E4AD80FB}"/>
+                <a16:creationId xmlns:a16="http://schemas.microsoft.com/office/drawing/2014/main" xmlns="" id="{1E07F556-3686-49BA-B28A-CEB8E4AD80FB}"/>
               </a:ext>
             </a:extLst>
           </p:cNvPr>
@@ -6266,7 +6266,7 @@
           <p:cNvPr id="10" name="Ellipse 9">
             <a:extLst>
               <a:ext uri="{FF2B5EF4-FFF2-40B4-BE49-F238E27FC236}">
-                <a16:creationId xmlns="" xmlns:a16="http://schemas.microsoft.com/office/drawing/2014/main" id="{867DE208-0EDD-401E-9DCD-EDA5A7918403}"/>
+                <a16:creationId xmlns:a16="http://schemas.microsoft.com/office/drawing/2014/main" xmlns="" id="{867DE208-0EDD-401E-9DCD-EDA5A7918403}"/>
               </a:ext>
             </a:extLst>
           </p:cNvPr>
@@ -6320,7 +6320,7 @@
           <p:cNvPr id="11" name="Ellipse 10">
             <a:extLst>
               <a:ext uri="{FF2B5EF4-FFF2-40B4-BE49-F238E27FC236}">
-                <a16:creationId xmlns="" xmlns:a16="http://schemas.microsoft.com/office/drawing/2014/main" id="{621B3A77-7B8C-4466-8031-8D25B95BAC5D}"/>
+                <a16:creationId xmlns:a16="http://schemas.microsoft.com/office/drawing/2014/main" xmlns="" id="{621B3A77-7B8C-4466-8031-8D25B95BAC5D}"/>
               </a:ext>
             </a:extLst>
           </p:cNvPr>
@@ -6374,7 +6374,7 @@
           <p:cNvPr id="23" name="ZoneTexte 22">
             <a:extLst>
               <a:ext uri="{FF2B5EF4-FFF2-40B4-BE49-F238E27FC236}">
-                <a16:creationId xmlns="" xmlns:a16="http://schemas.microsoft.com/office/drawing/2014/main" id="{EF12B6D5-0379-429D-9647-7B70673B4D69}"/>
+                <a16:creationId xmlns:a16="http://schemas.microsoft.com/office/drawing/2014/main" xmlns="" id="{EF12B6D5-0379-429D-9647-7B70673B4D69}"/>
               </a:ext>
             </a:extLst>
           </p:cNvPr>
@@ -6415,11 +6415,7 @@
             </a:r>
             <a:r>
               <a:rPr lang="fr-FR" sz="1500" dirty="0" smtClean="0"/>
-              <a:t>On </a:t>
-            </a:r>
-            <a:r>
-              <a:rPr lang="fr-FR" sz="1500" dirty="0" smtClean="0"/>
-              <a:t>détermine le volume d’eau</a:t>
+              <a:t>On détermine le volume d’eau</a:t>
             </a:r>
             <a:endParaRPr lang="fr-FR" sz="1500" dirty="0"/>
           </a:p>
@@ -7308,7 +7304,7 @@
           <p:cNvPr id="4" name="Espace réservé du numéro de diapositive 3">
             <a:extLst>
               <a:ext uri="{FF2B5EF4-FFF2-40B4-BE49-F238E27FC236}">
-                <a16:creationId xmlns="" xmlns:a16="http://schemas.microsoft.com/office/drawing/2014/main" id="{46FC8660-C100-405D-A8DA-B62E957730C5}"/>
+                <a16:creationId xmlns:a16="http://schemas.microsoft.com/office/drawing/2014/main" xmlns="" id="{46FC8660-C100-405D-A8DA-B62E957730C5}"/>
               </a:ext>
             </a:extLst>
           </p:cNvPr>
@@ -7337,7 +7333,7 @@
           <p:cNvPr id="6" name="Espace réservé du contenu 5">
             <a:extLst>
               <a:ext uri="{FF2B5EF4-FFF2-40B4-BE49-F238E27FC236}">
-                <a16:creationId xmlns="" xmlns:a16="http://schemas.microsoft.com/office/drawing/2014/main" id="{39D40C15-FCA8-4729-AE40-3AF0CD2156F5}"/>
+                <a16:creationId xmlns:a16="http://schemas.microsoft.com/office/drawing/2014/main" xmlns="" id="{39D40C15-FCA8-4729-AE40-3AF0CD2156F5}"/>
               </a:ext>
             </a:extLst>
           </p:cNvPr>
@@ -7381,7 +7377,7 @@
           <p:cNvPr id="7" name="Ellipse 6">
             <a:extLst>
               <a:ext uri="{FF2B5EF4-FFF2-40B4-BE49-F238E27FC236}">
-                <a16:creationId xmlns="" xmlns:a16="http://schemas.microsoft.com/office/drawing/2014/main" id="{21482228-4E73-4CBB-901D-ECC186FCC564}"/>
+                <a16:creationId xmlns:a16="http://schemas.microsoft.com/office/drawing/2014/main" xmlns="" id="{21482228-4E73-4CBB-901D-ECC186FCC564}"/>
               </a:ext>
             </a:extLst>
           </p:cNvPr>
@@ -7435,7 +7431,7 @@
           <p:cNvPr id="8" name="Ellipse 7">
             <a:extLst>
               <a:ext uri="{FF2B5EF4-FFF2-40B4-BE49-F238E27FC236}">
-                <a16:creationId xmlns="" xmlns:a16="http://schemas.microsoft.com/office/drawing/2014/main" id="{9167824B-5752-41FE-BB3E-342EEDB6E8EC}"/>
+                <a16:creationId xmlns:a16="http://schemas.microsoft.com/office/drawing/2014/main" xmlns="" id="{9167824B-5752-41FE-BB3E-342EEDB6E8EC}"/>
               </a:ext>
             </a:extLst>
           </p:cNvPr>
@@ -7489,7 +7485,7 @@
           <p:cNvPr id="9" name="Ellipse 8">
             <a:extLst>
               <a:ext uri="{FF2B5EF4-FFF2-40B4-BE49-F238E27FC236}">
-                <a16:creationId xmlns="" xmlns:a16="http://schemas.microsoft.com/office/drawing/2014/main" id="{1E07F556-3686-49BA-B28A-CEB8E4AD80FB}"/>
+                <a16:creationId xmlns:a16="http://schemas.microsoft.com/office/drawing/2014/main" xmlns="" id="{1E07F556-3686-49BA-B28A-CEB8E4AD80FB}"/>
               </a:ext>
             </a:extLst>
           </p:cNvPr>
@@ -7543,7 +7539,7 @@
           <p:cNvPr id="10" name="Ellipse 9">
             <a:extLst>
               <a:ext uri="{FF2B5EF4-FFF2-40B4-BE49-F238E27FC236}">
-                <a16:creationId xmlns="" xmlns:a16="http://schemas.microsoft.com/office/drawing/2014/main" id="{867DE208-0EDD-401E-9DCD-EDA5A7918403}"/>
+                <a16:creationId xmlns:a16="http://schemas.microsoft.com/office/drawing/2014/main" xmlns="" id="{867DE208-0EDD-401E-9DCD-EDA5A7918403}"/>
               </a:ext>
             </a:extLst>
           </p:cNvPr>
@@ -7597,7 +7593,7 @@
           <p:cNvPr id="11" name="Ellipse 10">
             <a:extLst>
               <a:ext uri="{FF2B5EF4-FFF2-40B4-BE49-F238E27FC236}">
-                <a16:creationId xmlns="" xmlns:a16="http://schemas.microsoft.com/office/drawing/2014/main" id="{621B3A77-7B8C-4466-8031-8D25B95BAC5D}"/>
+                <a16:creationId xmlns:a16="http://schemas.microsoft.com/office/drawing/2014/main" xmlns="" id="{621B3A77-7B8C-4466-8031-8D25B95BAC5D}"/>
               </a:ext>
             </a:extLst>
           </p:cNvPr>
@@ -7651,7 +7647,7 @@
           <p:cNvPr id="23" name="ZoneTexte 22">
             <a:extLst>
               <a:ext uri="{FF2B5EF4-FFF2-40B4-BE49-F238E27FC236}">
-                <a16:creationId xmlns="" xmlns:a16="http://schemas.microsoft.com/office/drawing/2014/main" id="{EF12B6D5-0379-429D-9647-7B70673B4D69}"/>
+                <a16:creationId xmlns:a16="http://schemas.microsoft.com/office/drawing/2014/main" xmlns="" id="{EF12B6D5-0379-429D-9647-7B70673B4D69}"/>
               </a:ext>
             </a:extLst>
           </p:cNvPr>
@@ -8413,7 +8409,7 @@
           <p:cNvPr id="29" name="Arc 28">
             <a:extLst>
               <a:ext uri="{FF2B5EF4-FFF2-40B4-BE49-F238E27FC236}">
-                <a16:creationId xmlns="" xmlns:a16="http://schemas.microsoft.com/office/drawing/2014/main" id="{4A521114-9965-4B58-AE4D-7DB73232A2A7}"/>
+                <a16:creationId xmlns:a16="http://schemas.microsoft.com/office/drawing/2014/main" xmlns="" id="{4A521114-9965-4B58-AE4D-7DB73232A2A7}"/>
               </a:ext>
             </a:extLst>
           </p:cNvPr>
@@ -8801,7 +8797,7 @@
           <p:cNvPr id="4" name="Espace réservé du numéro de diapositive 3">
             <a:extLst>
               <a:ext uri="{FF2B5EF4-FFF2-40B4-BE49-F238E27FC236}">
-                <a16:creationId xmlns="" xmlns:a16="http://schemas.microsoft.com/office/drawing/2014/main" id="{46FC8660-C100-405D-A8DA-B62E957730C5}"/>
+                <a16:creationId xmlns:a16="http://schemas.microsoft.com/office/drawing/2014/main" xmlns="" id="{46FC8660-C100-405D-A8DA-B62E957730C5}"/>
               </a:ext>
             </a:extLst>
           </p:cNvPr>
@@ -8830,7 +8826,7 @@
           <p:cNvPr id="6" name="Espace réservé du contenu 5">
             <a:extLst>
               <a:ext uri="{FF2B5EF4-FFF2-40B4-BE49-F238E27FC236}">
-                <a16:creationId xmlns="" xmlns:a16="http://schemas.microsoft.com/office/drawing/2014/main" id="{39D40C15-FCA8-4729-AE40-3AF0CD2156F5}"/>
+                <a16:creationId xmlns:a16="http://schemas.microsoft.com/office/drawing/2014/main" xmlns="" id="{39D40C15-FCA8-4729-AE40-3AF0CD2156F5}"/>
               </a:ext>
             </a:extLst>
           </p:cNvPr>
@@ -8874,7 +8870,7 @@
           <p:cNvPr id="7" name="Ellipse 6">
             <a:extLst>
               <a:ext uri="{FF2B5EF4-FFF2-40B4-BE49-F238E27FC236}">
-                <a16:creationId xmlns="" xmlns:a16="http://schemas.microsoft.com/office/drawing/2014/main" id="{21482228-4E73-4CBB-901D-ECC186FCC564}"/>
+                <a16:creationId xmlns:a16="http://schemas.microsoft.com/office/drawing/2014/main" xmlns="" id="{21482228-4E73-4CBB-901D-ECC186FCC564}"/>
               </a:ext>
             </a:extLst>
           </p:cNvPr>
@@ -8928,7 +8924,7 @@
           <p:cNvPr id="8" name="Ellipse 7">
             <a:extLst>
               <a:ext uri="{FF2B5EF4-FFF2-40B4-BE49-F238E27FC236}">
-                <a16:creationId xmlns="" xmlns:a16="http://schemas.microsoft.com/office/drawing/2014/main" id="{9167824B-5752-41FE-BB3E-342EEDB6E8EC}"/>
+                <a16:creationId xmlns:a16="http://schemas.microsoft.com/office/drawing/2014/main" xmlns="" id="{9167824B-5752-41FE-BB3E-342EEDB6E8EC}"/>
               </a:ext>
             </a:extLst>
           </p:cNvPr>
@@ -8982,7 +8978,7 @@
           <p:cNvPr id="9" name="Ellipse 8">
             <a:extLst>
               <a:ext uri="{FF2B5EF4-FFF2-40B4-BE49-F238E27FC236}">
-                <a16:creationId xmlns="" xmlns:a16="http://schemas.microsoft.com/office/drawing/2014/main" id="{1E07F556-3686-49BA-B28A-CEB8E4AD80FB}"/>
+                <a16:creationId xmlns:a16="http://schemas.microsoft.com/office/drawing/2014/main" xmlns="" id="{1E07F556-3686-49BA-B28A-CEB8E4AD80FB}"/>
               </a:ext>
             </a:extLst>
           </p:cNvPr>
@@ -9036,7 +9032,7 @@
           <p:cNvPr id="10" name="Ellipse 9">
             <a:extLst>
               <a:ext uri="{FF2B5EF4-FFF2-40B4-BE49-F238E27FC236}">
-                <a16:creationId xmlns="" xmlns:a16="http://schemas.microsoft.com/office/drawing/2014/main" id="{867DE208-0EDD-401E-9DCD-EDA5A7918403}"/>
+                <a16:creationId xmlns:a16="http://schemas.microsoft.com/office/drawing/2014/main" xmlns="" id="{867DE208-0EDD-401E-9DCD-EDA5A7918403}"/>
               </a:ext>
             </a:extLst>
           </p:cNvPr>
@@ -9090,7 +9086,7 @@
           <p:cNvPr id="11" name="Ellipse 10">
             <a:extLst>
               <a:ext uri="{FF2B5EF4-FFF2-40B4-BE49-F238E27FC236}">
-                <a16:creationId xmlns="" xmlns:a16="http://schemas.microsoft.com/office/drawing/2014/main" id="{621B3A77-7B8C-4466-8031-8D25B95BAC5D}"/>
+                <a16:creationId xmlns:a16="http://schemas.microsoft.com/office/drawing/2014/main" xmlns="" id="{621B3A77-7B8C-4466-8031-8D25B95BAC5D}"/>
               </a:ext>
             </a:extLst>
           </p:cNvPr>
@@ -9144,7 +9140,7 @@
           <p:cNvPr id="23" name="ZoneTexte 22">
             <a:extLst>
               <a:ext uri="{FF2B5EF4-FFF2-40B4-BE49-F238E27FC236}">
-                <a16:creationId xmlns="" xmlns:a16="http://schemas.microsoft.com/office/drawing/2014/main" id="{EF12B6D5-0379-429D-9647-7B70673B4D69}"/>
+                <a16:creationId xmlns:a16="http://schemas.microsoft.com/office/drawing/2014/main" xmlns="" id="{EF12B6D5-0379-429D-9647-7B70673B4D69}"/>
               </a:ext>
             </a:extLst>
           </p:cNvPr>
@@ -9940,7 +9936,7 @@
           <p:cNvPr id="32" name="Rectangle 31">
             <a:extLst>
               <a:ext uri="{FF2B5EF4-FFF2-40B4-BE49-F238E27FC236}">
-                <a16:creationId xmlns="" xmlns:a16="http://schemas.microsoft.com/office/drawing/2014/main" id="{2431AAEF-6BED-4482-950C-93B977FFD794}"/>
+                <a16:creationId xmlns:a16="http://schemas.microsoft.com/office/drawing/2014/main" xmlns="" id="{2431AAEF-6BED-4482-950C-93B977FFD794}"/>
               </a:ext>
             </a:extLst>
           </p:cNvPr>
@@ -9987,7 +9983,7 @@
           <p:cNvPr id="33" name="Rectangle 32">
             <a:extLst>
               <a:ext uri="{FF2B5EF4-FFF2-40B4-BE49-F238E27FC236}">
-                <a16:creationId xmlns="" xmlns:a16="http://schemas.microsoft.com/office/drawing/2014/main" id="{8609C658-DC0C-4F79-9091-6CDADBD89100}"/>
+                <a16:creationId xmlns:a16="http://schemas.microsoft.com/office/drawing/2014/main" xmlns="" id="{8609C658-DC0C-4F79-9091-6CDADBD89100}"/>
               </a:ext>
             </a:extLst>
           </p:cNvPr>
@@ -10034,7 +10030,7 @@
           <p:cNvPr id="34" name="Connecteur droit avec flèche 33">
             <a:extLst>
               <a:ext uri="{FF2B5EF4-FFF2-40B4-BE49-F238E27FC236}">
-                <a16:creationId xmlns="" xmlns:a16="http://schemas.microsoft.com/office/drawing/2014/main" id="{038E50FF-FB95-4389-90B3-BA87E817D8CC}"/>
+                <a16:creationId xmlns:a16="http://schemas.microsoft.com/office/drawing/2014/main" xmlns="" id="{038E50FF-FB95-4389-90B3-BA87E817D8CC}"/>
               </a:ext>
             </a:extLst>
           </p:cNvPr>
@@ -10267,7 +10263,7 @@
           <p:cNvPr id="4" name="Espace réservé du numéro de diapositive 3">
             <a:extLst>
               <a:ext uri="{FF2B5EF4-FFF2-40B4-BE49-F238E27FC236}">
-                <a16:creationId xmlns="" xmlns:a16="http://schemas.microsoft.com/office/drawing/2014/main" id="{46FC8660-C100-405D-A8DA-B62E957730C5}"/>
+                <a16:creationId xmlns:a16="http://schemas.microsoft.com/office/drawing/2014/main" xmlns="" id="{46FC8660-C100-405D-A8DA-B62E957730C5}"/>
               </a:ext>
             </a:extLst>
           </p:cNvPr>
@@ -10296,7 +10292,7 @@
           <p:cNvPr id="6" name="Espace réservé du contenu 5">
             <a:extLst>
               <a:ext uri="{FF2B5EF4-FFF2-40B4-BE49-F238E27FC236}">
-                <a16:creationId xmlns="" xmlns:a16="http://schemas.microsoft.com/office/drawing/2014/main" id="{39D40C15-FCA8-4729-AE40-3AF0CD2156F5}"/>
+                <a16:creationId xmlns:a16="http://schemas.microsoft.com/office/drawing/2014/main" xmlns="" id="{39D40C15-FCA8-4729-AE40-3AF0CD2156F5}"/>
               </a:ext>
             </a:extLst>
           </p:cNvPr>
@@ -10340,7 +10336,7 @@
           <p:cNvPr id="7" name="Ellipse 6">
             <a:extLst>
               <a:ext uri="{FF2B5EF4-FFF2-40B4-BE49-F238E27FC236}">
-                <a16:creationId xmlns="" xmlns:a16="http://schemas.microsoft.com/office/drawing/2014/main" id="{21482228-4E73-4CBB-901D-ECC186FCC564}"/>
+                <a16:creationId xmlns:a16="http://schemas.microsoft.com/office/drawing/2014/main" xmlns="" id="{21482228-4E73-4CBB-901D-ECC186FCC564}"/>
               </a:ext>
             </a:extLst>
           </p:cNvPr>
@@ -10394,7 +10390,7 @@
           <p:cNvPr id="8" name="Ellipse 7">
             <a:extLst>
               <a:ext uri="{FF2B5EF4-FFF2-40B4-BE49-F238E27FC236}">
-                <a16:creationId xmlns="" xmlns:a16="http://schemas.microsoft.com/office/drawing/2014/main" id="{9167824B-5752-41FE-BB3E-342EEDB6E8EC}"/>
+                <a16:creationId xmlns:a16="http://schemas.microsoft.com/office/drawing/2014/main" xmlns="" id="{9167824B-5752-41FE-BB3E-342EEDB6E8EC}"/>
               </a:ext>
             </a:extLst>
           </p:cNvPr>
@@ -10448,7 +10444,7 @@
           <p:cNvPr id="9" name="Ellipse 8">
             <a:extLst>
               <a:ext uri="{FF2B5EF4-FFF2-40B4-BE49-F238E27FC236}">
-                <a16:creationId xmlns="" xmlns:a16="http://schemas.microsoft.com/office/drawing/2014/main" id="{1E07F556-3686-49BA-B28A-CEB8E4AD80FB}"/>
+                <a16:creationId xmlns:a16="http://schemas.microsoft.com/office/drawing/2014/main" xmlns="" id="{1E07F556-3686-49BA-B28A-CEB8E4AD80FB}"/>
               </a:ext>
             </a:extLst>
           </p:cNvPr>
@@ -10502,7 +10498,7 @@
           <p:cNvPr id="10" name="Ellipse 9">
             <a:extLst>
               <a:ext uri="{FF2B5EF4-FFF2-40B4-BE49-F238E27FC236}">
-                <a16:creationId xmlns="" xmlns:a16="http://schemas.microsoft.com/office/drawing/2014/main" id="{867DE208-0EDD-401E-9DCD-EDA5A7918403}"/>
+                <a16:creationId xmlns:a16="http://schemas.microsoft.com/office/drawing/2014/main" xmlns="" id="{867DE208-0EDD-401E-9DCD-EDA5A7918403}"/>
               </a:ext>
             </a:extLst>
           </p:cNvPr>
@@ -10556,7 +10552,7 @@
           <p:cNvPr id="11" name="Ellipse 10">
             <a:extLst>
               <a:ext uri="{FF2B5EF4-FFF2-40B4-BE49-F238E27FC236}">
-                <a16:creationId xmlns="" xmlns:a16="http://schemas.microsoft.com/office/drawing/2014/main" id="{621B3A77-7B8C-4466-8031-8D25B95BAC5D}"/>
+                <a16:creationId xmlns:a16="http://schemas.microsoft.com/office/drawing/2014/main" xmlns="" id="{621B3A77-7B8C-4466-8031-8D25B95BAC5D}"/>
               </a:ext>
             </a:extLst>
           </p:cNvPr>
@@ -10610,7 +10606,7 @@
           <p:cNvPr id="12" name="Rectangle 11">
             <a:extLst>
               <a:ext uri="{FF2B5EF4-FFF2-40B4-BE49-F238E27FC236}">
-                <a16:creationId xmlns="" xmlns:a16="http://schemas.microsoft.com/office/drawing/2014/main" id="{2431AAEF-6BED-4482-950C-93B977FFD794}"/>
+                <a16:creationId xmlns:a16="http://schemas.microsoft.com/office/drawing/2014/main" xmlns="" id="{2431AAEF-6BED-4482-950C-93B977FFD794}"/>
               </a:ext>
             </a:extLst>
           </p:cNvPr>
@@ -10657,7 +10653,7 @@
           <p:cNvPr id="13" name="Rectangle 12">
             <a:extLst>
               <a:ext uri="{FF2B5EF4-FFF2-40B4-BE49-F238E27FC236}">
-                <a16:creationId xmlns="" xmlns:a16="http://schemas.microsoft.com/office/drawing/2014/main" id="{8609C658-DC0C-4F79-9091-6CDADBD89100}"/>
+                <a16:creationId xmlns:a16="http://schemas.microsoft.com/office/drawing/2014/main" xmlns="" id="{8609C658-DC0C-4F79-9091-6CDADBD89100}"/>
               </a:ext>
             </a:extLst>
           </p:cNvPr>
@@ -10704,7 +10700,7 @@
           <p:cNvPr id="16" name="Ellipse 15">
             <a:extLst>
               <a:ext uri="{FF2B5EF4-FFF2-40B4-BE49-F238E27FC236}">
-                <a16:creationId xmlns="" xmlns:a16="http://schemas.microsoft.com/office/drawing/2014/main" id="{6DCC7692-F3D9-4359-8609-1648505F5702}"/>
+                <a16:creationId xmlns:a16="http://schemas.microsoft.com/office/drawing/2014/main" xmlns="" id="{6DCC7692-F3D9-4359-8609-1648505F5702}"/>
               </a:ext>
             </a:extLst>
           </p:cNvPr>
@@ -10758,7 +10754,7 @@
           <p:cNvPr id="17" name="Ellipse 16">
             <a:extLst>
               <a:ext uri="{FF2B5EF4-FFF2-40B4-BE49-F238E27FC236}">
-                <a16:creationId xmlns="" xmlns:a16="http://schemas.microsoft.com/office/drawing/2014/main" id="{1B7C83AE-05C2-4E1C-A44F-29AAA9532FB5}"/>
+                <a16:creationId xmlns:a16="http://schemas.microsoft.com/office/drawing/2014/main" xmlns="" id="{1B7C83AE-05C2-4E1C-A44F-29AAA9532FB5}"/>
               </a:ext>
             </a:extLst>
           </p:cNvPr>
@@ -10812,7 +10808,7 @@
           <p:cNvPr id="23" name="ZoneTexte 22">
             <a:extLst>
               <a:ext uri="{FF2B5EF4-FFF2-40B4-BE49-F238E27FC236}">
-                <a16:creationId xmlns="" xmlns:a16="http://schemas.microsoft.com/office/drawing/2014/main" id="{4BADE8FF-70E6-4B9E-91A7-E481C3F07E08}"/>
+                <a16:creationId xmlns:a16="http://schemas.microsoft.com/office/drawing/2014/main" xmlns="" id="{4BADE8FF-70E6-4B9E-91A7-E481C3F07E08}"/>
               </a:ext>
             </a:extLst>
           </p:cNvPr>
@@ -10845,11 +10841,7 @@
             </a:r>
             <a:r>
               <a:rPr lang="fr-FR" sz="1500" b="1" u="sng" dirty="0" smtClean="0"/>
-              <a:t> </a:t>
-            </a:r>
-            <a:r>
-              <a:rPr lang="fr-FR" sz="1500" b="1" u="sng" dirty="0" smtClean="0"/>
-              <a:t>étape (suite) :</a:t>
+              <a:t> étape (suite) :</a:t>
             </a:r>
             <a:r>
               <a:rPr lang="fr-FR" sz="1500" b="1" dirty="0" smtClean="0"/>
@@ -11631,7 +11623,7 @@
           <p:cNvPr id="4" name="Espace réservé du numéro de diapositive 3">
             <a:extLst>
               <a:ext uri="{FF2B5EF4-FFF2-40B4-BE49-F238E27FC236}">
-                <a16:creationId xmlns="" xmlns:a16="http://schemas.microsoft.com/office/drawing/2014/main" id="{46FC8660-C100-405D-A8DA-B62E957730C5}"/>
+                <a16:creationId xmlns:a16="http://schemas.microsoft.com/office/drawing/2014/main" xmlns="" id="{46FC8660-C100-405D-A8DA-B62E957730C5}"/>
               </a:ext>
             </a:extLst>
           </p:cNvPr>
@@ -11660,7 +11652,7 @@
           <p:cNvPr id="6" name="Espace réservé du contenu 5">
             <a:extLst>
               <a:ext uri="{FF2B5EF4-FFF2-40B4-BE49-F238E27FC236}">
-                <a16:creationId xmlns="" xmlns:a16="http://schemas.microsoft.com/office/drawing/2014/main" id="{39D40C15-FCA8-4729-AE40-3AF0CD2156F5}"/>
+                <a16:creationId xmlns:a16="http://schemas.microsoft.com/office/drawing/2014/main" xmlns="" id="{39D40C15-FCA8-4729-AE40-3AF0CD2156F5}"/>
               </a:ext>
             </a:extLst>
           </p:cNvPr>
@@ -11704,7 +11696,7 @@
           <p:cNvPr id="7" name="Ellipse 6">
             <a:extLst>
               <a:ext uri="{FF2B5EF4-FFF2-40B4-BE49-F238E27FC236}">
-                <a16:creationId xmlns="" xmlns:a16="http://schemas.microsoft.com/office/drawing/2014/main" id="{21482228-4E73-4CBB-901D-ECC186FCC564}"/>
+                <a16:creationId xmlns:a16="http://schemas.microsoft.com/office/drawing/2014/main" xmlns="" id="{21482228-4E73-4CBB-901D-ECC186FCC564}"/>
               </a:ext>
             </a:extLst>
           </p:cNvPr>
@@ -11758,7 +11750,7 @@
           <p:cNvPr id="8" name="Ellipse 7">
             <a:extLst>
               <a:ext uri="{FF2B5EF4-FFF2-40B4-BE49-F238E27FC236}">
-                <a16:creationId xmlns="" xmlns:a16="http://schemas.microsoft.com/office/drawing/2014/main" id="{9167824B-5752-41FE-BB3E-342EEDB6E8EC}"/>
+                <a16:creationId xmlns:a16="http://schemas.microsoft.com/office/drawing/2014/main" xmlns="" id="{9167824B-5752-41FE-BB3E-342EEDB6E8EC}"/>
               </a:ext>
             </a:extLst>
           </p:cNvPr>
@@ -11812,7 +11804,7 @@
           <p:cNvPr id="9" name="Ellipse 8">
             <a:extLst>
               <a:ext uri="{FF2B5EF4-FFF2-40B4-BE49-F238E27FC236}">
-                <a16:creationId xmlns="" xmlns:a16="http://schemas.microsoft.com/office/drawing/2014/main" id="{1E07F556-3686-49BA-B28A-CEB8E4AD80FB}"/>
+                <a16:creationId xmlns:a16="http://schemas.microsoft.com/office/drawing/2014/main" xmlns="" id="{1E07F556-3686-49BA-B28A-CEB8E4AD80FB}"/>
               </a:ext>
             </a:extLst>
           </p:cNvPr>
@@ -11866,7 +11858,7 @@
           <p:cNvPr id="10" name="Ellipse 9">
             <a:extLst>
               <a:ext uri="{FF2B5EF4-FFF2-40B4-BE49-F238E27FC236}">
-                <a16:creationId xmlns="" xmlns:a16="http://schemas.microsoft.com/office/drawing/2014/main" id="{867DE208-0EDD-401E-9DCD-EDA5A7918403}"/>
+                <a16:creationId xmlns:a16="http://schemas.microsoft.com/office/drawing/2014/main" xmlns="" id="{867DE208-0EDD-401E-9DCD-EDA5A7918403}"/>
               </a:ext>
             </a:extLst>
           </p:cNvPr>
@@ -11920,7 +11912,7 @@
           <p:cNvPr id="11" name="Ellipse 10">
             <a:extLst>
               <a:ext uri="{FF2B5EF4-FFF2-40B4-BE49-F238E27FC236}">
-                <a16:creationId xmlns="" xmlns:a16="http://schemas.microsoft.com/office/drawing/2014/main" id="{621B3A77-7B8C-4466-8031-8D25B95BAC5D}"/>
+                <a16:creationId xmlns:a16="http://schemas.microsoft.com/office/drawing/2014/main" xmlns="" id="{621B3A77-7B8C-4466-8031-8D25B95BAC5D}"/>
               </a:ext>
             </a:extLst>
           </p:cNvPr>
@@ -11974,7 +11966,7 @@
           <p:cNvPr id="23" name="ZoneTexte 22">
             <a:extLst>
               <a:ext uri="{FF2B5EF4-FFF2-40B4-BE49-F238E27FC236}">
-                <a16:creationId xmlns="" xmlns:a16="http://schemas.microsoft.com/office/drawing/2014/main" id="{4BADE8FF-70E6-4B9E-91A7-E481C3F07E08}"/>
+                <a16:creationId xmlns:a16="http://schemas.microsoft.com/office/drawing/2014/main" xmlns="" id="{4BADE8FF-70E6-4B9E-91A7-E481C3F07E08}"/>
               </a:ext>
             </a:extLst>
           </p:cNvPr>
@@ -12029,7 +12021,7 @@
           <p:cNvPr id="16" name="Rectangle 15">
             <a:extLst>
               <a:ext uri="{FF2B5EF4-FFF2-40B4-BE49-F238E27FC236}">
-                <a16:creationId xmlns="" xmlns:a16="http://schemas.microsoft.com/office/drawing/2014/main" id="{74317425-AF27-4F53-9E79-D1F7AA782A02}"/>
+                <a16:creationId xmlns:a16="http://schemas.microsoft.com/office/drawing/2014/main" xmlns="" id="{74317425-AF27-4F53-9E79-D1F7AA782A02}"/>
               </a:ext>
             </a:extLst>
           </p:cNvPr>
@@ -12080,7 +12072,7 @@
           <p:cNvPr id="17" name="Rectangle 16">
             <a:extLst>
               <a:ext uri="{FF2B5EF4-FFF2-40B4-BE49-F238E27FC236}">
-                <a16:creationId xmlns="" xmlns:a16="http://schemas.microsoft.com/office/drawing/2014/main" id="{4E3CEAF6-644A-4118-B5A6-73F8D2CD4EEB}"/>
+                <a16:creationId xmlns:a16="http://schemas.microsoft.com/office/drawing/2014/main" xmlns="" id="{4E3CEAF6-644A-4118-B5A6-73F8D2CD4EEB}"/>
               </a:ext>
             </a:extLst>
           </p:cNvPr>
@@ -12131,7 +12123,7 @@
           <p:cNvPr id="18" name="Connecteur droit avec flèche 17">
             <a:extLst>
               <a:ext uri="{FF2B5EF4-FFF2-40B4-BE49-F238E27FC236}">
-                <a16:creationId xmlns="" xmlns:a16="http://schemas.microsoft.com/office/drawing/2014/main" id="{4E28CB4E-A220-4B5D-9B9E-B308FA08FDBB}"/>
+                <a16:creationId xmlns:a16="http://schemas.microsoft.com/office/drawing/2014/main" xmlns="" id="{4E28CB4E-A220-4B5D-9B9E-B308FA08FDBB}"/>
               </a:ext>
             </a:extLst>
           </p:cNvPr>
@@ -12677,7 +12669,7 @@
           <p:cNvPr id="37" name="Arc 36">
             <a:extLst>
               <a:ext uri="{FF2B5EF4-FFF2-40B4-BE49-F238E27FC236}">
-                <a16:creationId xmlns="" xmlns:a16="http://schemas.microsoft.com/office/drawing/2014/main" id="{4A521114-9965-4B58-AE4D-7DB73232A2A7}"/>
+                <a16:creationId xmlns:a16="http://schemas.microsoft.com/office/drawing/2014/main" xmlns="" id="{4A521114-9965-4B58-AE4D-7DB73232A2A7}"/>
               </a:ext>
             </a:extLst>
           </p:cNvPr>
@@ -12835,7 +12827,7 @@
           <p:cNvPr id="4" name="Espace réservé du numéro de diapositive 3">
             <a:extLst>
               <a:ext uri="{FF2B5EF4-FFF2-40B4-BE49-F238E27FC236}">
-                <a16:creationId xmlns="" xmlns:a16="http://schemas.microsoft.com/office/drawing/2014/main" id="{46FC8660-C100-405D-A8DA-B62E957730C5}"/>
+                <a16:creationId xmlns:a16="http://schemas.microsoft.com/office/drawing/2014/main" xmlns="" id="{46FC8660-C100-405D-A8DA-B62E957730C5}"/>
               </a:ext>
             </a:extLst>
           </p:cNvPr>
@@ -12864,7 +12856,7 @@
           <p:cNvPr id="6" name="Espace réservé du contenu 5">
             <a:extLst>
               <a:ext uri="{FF2B5EF4-FFF2-40B4-BE49-F238E27FC236}">
-                <a16:creationId xmlns="" xmlns:a16="http://schemas.microsoft.com/office/drawing/2014/main" id="{39D40C15-FCA8-4729-AE40-3AF0CD2156F5}"/>
+                <a16:creationId xmlns:a16="http://schemas.microsoft.com/office/drawing/2014/main" xmlns="" id="{39D40C15-FCA8-4729-AE40-3AF0CD2156F5}"/>
               </a:ext>
             </a:extLst>
           </p:cNvPr>
@@ -12908,7 +12900,7 @@
           <p:cNvPr id="7" name="Ellipse 6">
             <a:extLst>
               <a:ext uri="{FF2B5EF4-FFF2-40B4-BE49-F238E27FC236}">
-                <a16:creationId xmlns="" xmlns:a16="http://schemas.microsoft.com/office/drawing/2014/main" id="{21482228-4E73-4CBB-901D-ECC186FCC564}"/>
+                <a16:creationId xmlns:a16="http://schemas.microsoft.com/office/drawing/2014/main" xmlns="" id="{21482228-4E73-4CBB-901D-ECC186FCC564}"/>
               </a:ext>
             </a:extLst>
           </p:cNvPr>
@@ -12962,7 +12954,7 @@
           <p:cNvPr id="8" name="Ellipse 7">
             <a:extLst>
               <a:ext uri="{FF2B5EF4-FFF2-40B4-BE49-F238E27FC236}">
-                <a16:creationId xmlns="" xmlns:a16="http://schemas.microsoft.com/office/drawing/2014/main" id="{9167824B-5752-41FE-BB3E-342EEDB6E8EC}"/>
+                <a16:creationId xmlns:a16="http://schemas.microsoft.com/office/drawing/2014/main" xmlns="" id="{9167824B-5752-41FE-BB3E-342EEDB6E8EC}"/>
               </a:ext>
             </a:extLst>
           </p:cNvPr>
@@ -13016,7 +13008,7 @@
           <p:cNvPr id="9" name="Ellipse 8">
             <a:extLst>
               <a:ext uri="{FF2B5EF4-FFF2-40B4-BE49-F238E27FC236}">
-                <a16:creationId xmlns="" xmlns:a16="http://schemas.microsoft.com/office/drawing/2014/main" id="{1E07F556-3686-49BA-B28A-CEB8E4AD80FB}"/>
+                <a16:creationId xmlns:a16="http://schemas.microsoft.com/office/drawing/2014/main" xmlns="" id="{1E07F556-3686-49BA-B28A-CEB8E4AD80FB}"/>
               </a:ext>
             </a:extLst>
           </p:cNvPr>
@@ -13070,7 +13062,7 @@
           <p:cNvPr id="10" name="Ellipse 9">
             <a:extLst>
               <a:ext uri="{FF2B5EF4-FFF2-40B4-BE49-F238E27FC236}">
-                <a16:creationId xmlns="" xmlns:a16="http://schemas.microsoft.com/office/drawing/2014/main" id="{867DE208-0EDD-401E-9DCD-EDA5A7918403}"/>
+                <a16:creationId xmlns:a16="http://schemas.microsoft.com/office/drawing/2014/main" xmlns="" id="{867DE208-0EDD-401E-9DCD-EDA5A7918403}"/>
               </a:ext>
             </a:extLst>
           </p:cNvPr>
@@ -13124,7 +13116,7 @@
           <p:cNvPr id="11" name="Ellipse 10">
             <a:extLst>
               <a:ext uri="{FF2B5EF4-FFF2-40B4-BE49-F238E27FC236}">
-                <a16:creationId xmlns="" xmlns:a16="http://schemas.microsoft.com/office/drawing/2014/main" id="{621B3A77-7B8C-4466-8031-8D25B95BAC5D}"/>
+                <a16:creationId xmlns:a16="http://schemas.microsoft.com/office/drawing/2014/main" xmlns="" id="{621B3A77-7B8C-4466-8031-8D25B95BAC5D}"/>
               </a:ext>
             </a:extLst>
           </p:cNvPr>
@@ -13178,7 +13170,7 @@
           <p:cNvPr id="23" name="ZoneTexte 22">
             <a:extLst>
               <a:ext uri="{FF2B5EF4-FFF2-40B4-BE49-F238E27FC236}">
-                <a16:creationId xmlns="" xmlns:a16="http://schemas.microsoft.com/office/drawing/2014/main" id="{4BADE8FF-70E6-4B9E-91A7-E481C3F07E08}"/>
+                <a16:creationId xmlns:a16="http://schemas.microsoft.com/office/drawing/2014/main" xmlns="" id="{4BADE8FF-70E6-4B9E-91A7-E481C3F07E08}"/>
               </a:ext>
             </a:extLst>
           </p:cNvPr>
@@ -13233,7 +13225,7 @@
           <p:cNvPr id="16" name="Rectangle 15">
             <a:extLst>
               <a:ext uri="{FF2B5EF4-FFF2-40B4-BE49-F238E27FC236}">
-                <a16:creationId xmlns="" xmlns:a16="http://schemas.microsoft.com/office/drawing/2014/main" id="{74317425-AF27-4F53-9E79-D1F7AA782A02}"/>
+                <a16:creationId xmlns:a16="http://schemas.microsoft.com/office/drawing/2014/main" xmlns="" id="{74317425-AF27-4F53-9E79-D1F7AA782A02}"/>
               </a:ext>
             </a:extLst>
           </p:cNvPr>
@@ -13284,7 +13276,7 @@
           <p:cNvPr id="17" name="Rectangle 16">
             <a:extLst>
               <a:ext uri="{FF2B5EF4-FFF2-40B4-BE49-F238E27FC236}">
-                <a16:creationId xmlns="" xmlns:a16="http://schemas.microsoft.com/office/drawing/2014/main" id="{4E3CEAF6-644A-4118-B5A6-73F8D2CD4EEB}"/>
+                <a16:creationId xmlns:a16="http://schemas.microsoft.com/office/drawing/2014/main" xmlns="" id="{4E3CEAF6-644A-4118-B5A6-73F8D2CD4EEB}"/>
               </a:ext>
             </a:extLst>
           </p:cNvPr>
@@ -13335,7 +13327,7 @@
           <p:cNvPr id="18" name="Connecteur droit avec flèche 17">
             <a:extLst>
               <a:ext uri="{FF2B5EF4-FFF2-40B4-BE49-F238E27FC236}">
-                <a16:creationId xmlns="" xmlns:a16="http://schemas.microsoft.com/office/drawing/2014/main" id="{4E28CB4E-A220-4B5D-9B9E-B308FA08FDBB}"/>
+                <a16:creationId xmlns:a16="http://schemas.microsoft.com/office/drawing/2014/main" xmlns="" id="{4E28CB4E-A220-4B5D-9B9E-B308FA08FDBB}"/>
               </a:ext>
             </a:extLst>
           </p:cNvPr>
@@ -13915,7 +13907,7 @@
           <p:cNvPr id="4" name="Espace réservé du numéro de diapositive 3">
             <a:extLst>
               <a:ext uri="{FF2B5EF4-FFF2-40B4-BE49-F238E27FC236}">
-                <a16:creationId xmlns="" xmlns:a16="http://schemas.microsoft.com/office/drawing/2014/main" id="{46FC8660-C100-405D-A8DA-B62E957730C5}"/>
+                <a16:creationId xmlns:a16="http://schemas.microsoft.com/office/drawing/2014/main" xmlns="" id="{46FC8660-C100-405D-A8DA-B62E957730C5}"/>
               </a:ext>
             </a:extLst>
           </p:cNvPr>
@@ -13944,7 +13936,7 @@
           <p:cNvPr id="6" name="Espace réservé du contenu 5">
             <a:extLst>
               <a:ext uri="{FF2B5EF4-FFF2-40B4-BE49-F238E27FC236}">
-                <a16:creationId xmlns="" xmlns:a16="http://schemas.microsoft.com/office/drawing/2014/main" id="{39D40C15-FCA8-4729-AE40-3AF0CD2156F5}"/>
+                <a16:creationId xmlns:a16="http://schemas.microsoft.com/office/drawing/2014/main" xmlns="" id="{39D40C15-FCA8-4729-AE40-3AF0CD2156F5}"/>
               </a:ext>
             </a:extLst>
           </p:cNvPr>
@@ -13988,7 +13980,7 @@
           <p:cNvPr id="7" name="Ellipse 6">
             <a:extLst>
               <a:ext uri="{FF2B5EF4-FFF2-40B4-BE49-F238E27FC236}">
-                <a16:creationId xmlns="" xmlns:a16="http://schemas.microsoft.com/office/drawing/2014/main" id="{21482228-4E73-4CBB-901D-ECC186FCC564}"/>
+                <a16:creationId xmlns:a16="http://schemas.microsoft.com/office/drawing/2014/main" xmlns="" id="{21482228-4E73-4CBB-901D-ECC186FCC564}"/>
               </a:ext>
             </a:extLst>
           </p:cNvPr>
@@ -14042,7 +14034,7 @@
           <p:cNvPr id="8" name="Ellipse 7">
             <a:extLst>
               <a:ext uri="{FF2B5EF4-FFF2-40B4-BE49-F238E27FC236}">
-                <a16:creationId xmlns="" xmlns:a16="http://schemas.microsoft.com/office/drawing/2014/main" id="{9167824B-5752-41FE-BB3E-342EEDB6E8EC}"/>
+                <a16:creationId xmlns:a16="http://schemas.microsoft.com/office/drawing/2014/main" xmlns="" id="{9167824B-5752-41FE-BB3E-342EEDB6E8EC}"/>
               </a:ext>
             </a:extLst>
           </p:cNvPr>
@@ -14096,7 +14088,7 @@
           <p:cNvPr id="9" name="Ellipse 8">
             <a:extLst>
               <a:ext uri="{FF2B5EF4-FFF2-40B4-BE49-F238E27FC236}">
-                <a16:creationId xmlns="" xmlns:a16="http://schemas.microsoft.com/office/drawing/2014/main" id="{1E07F556-3686-49BA-B28A-CEB8E4AD80FB}"/>
+                <a16:creationId xmlns:a16="http://schemas.microsoft.com/office/drawing/2014/main" xmlns="" id="{1E07F556-3686-49BA-B28A-CEB8E4AD80FB}"/>
               </a:ext>
             </a:extLst>
           </p:cNvPr>
@@ -14150,7 +14142,7 @@
           <p:cNvPr id="10" name="Ellipse 9">
             <a:extLst>
               <a:ext uri="{FF2B5EF4-FFF2-40B4-BE49-F238E27FC236}">
-                <a16:creationId xmlns="" xmlns:a16="http://schemas.microsoft.com/office/drawing/2014/main" id="{867DE208-0EDD-401E-9DCD-EDA5A7918403}"/>
+                <a16:creationId xmlns:a16="http://schemas.microsoft.com/office/drawing/2014/main" xmlns="" id="{867DE208-0EDD-401E-9DCD-EDA5A7918403}"/>
               </a:ext>
             </a:extLst>
           </p:cNvPr>
@@ -14204,7 +14196,7 @@
           <p:cNvPr id="11" name="Ellipse 10">
             <a:extLst>
               <a:ext uri="{FF2B5EF4-FFF2-40B4-BE49-F238E27FC236}">
-                <a16:creationId xmlns="" xmlns:a16="http://schemas.microsoft.com/office/drawing/2014/main" id="{621B3A77-7B8C-4466-8031-8D25B95BAC5D}"/>
+                <a16:creationId xmlns:a16="http://schemas.microsoft.com/office/drawing/2014/main" xmlns="" id="{621B3A77-7B8C-4466-8031-8D25B95BAC5D}"/>
               </a:ext>
             </a:extLst>
           </p:cNvPr>
@@ -14258,7 +14250,7 @@
           <p:cNvPr id="23" name="ZoneTexte 22">
             <a:extLst>
               <a:ext uri="{FF2B5EF4-FFF2-40B4-BE49-F238E27FC236}">
-                <a16:creationId xmlns="" xmlns:a16="http://schemas.microsoft.com/office/drawing/2014/main" id="{4BADE8FF-70E6-4B9E-91A7-E481C3F07E08}"/>
+                <a16:creationId xmlns:a16="http://schemas.microsoft.com/office/drawing/2014/main" xmlns="" id="{4BADE8FF-70E6-4B9E-91A7-E481C3F07E08}"/>
               </a:ext>
             </a:extLst>
           </p:cNvPr>
@@ -14329,7 +14321,7 @@
           <p:cNvPr id="25" name="Rectangle 24">
             <a:extLst>
               <a:ext uri="{FF2B5EF4-FFF2-40B4-BE49-F238E27FC236}">
-                <a16:creationId xmlns="" xmlns:a16="http://schemas.microsoft.com/office/drawing/2014/main" id="{1907EAC4-DE01-43E3-A9EE-64C5266646AF}"/>
+                <a16:creationId xmlns:a16="http://schemas.microsoft.com/office/drawing/2014/main" xmlns="" id="{1907EAC4-DE01-43E3-A9EE-64C5266646AF}"/>
               </a:ext>
             </a:extLst>
           </p:cNvPr>
@@ -14376,7 +14368,7 @@
           <p:cNvPr id="26" name="Rectangle 25">
             <a:extLst>
               <a:ext uri="{FF2B5EF4-FFF2-40B4-BE49-F238E27FC236}">
-                <a16:creationId xmlns="" xmlns:a16="http://schemas.microsoft.com/office/drawing/2014/main" id="{9BFCAF70-ADCE-40FF-8265-7CBF3C1F2087}"/>
+                <a16:creationId xmlns:a16="http://schemas.microsoft.com/office/drawing/2014/main" xmlns="" id="{9BFCAF70-ADCE-40FF-8265-7CBF3C1F2087}"/>
               </a:ext>
             </a:extLst>
           </p:cNvPr>
@@ -14427,7 +14419,7 @@
           <p:cNvPr id="27" name="Rectangle 26">
             <a:extLst>
               <a:ext uri="{FF2B5EF4-FFF2-40B4-BE49-F238E27FC236}">
-                <a16:creationId xmlns="" xmlns:a16="http://schemas.microsoft.com/office/drawing/2014/main" id="{7676ACE3-0006-4BFE-BD4C-F35733F7C508}"/>
+                <a16:creationId xmlns:a16="http://schemas.microsoft.com/office/drawing/2014/main" xmlns="" id="{7676ACE3-0006-4BFE-BD4C-F35733F7C508}"/>
               </a:ext>
             </a:extLst>
           </p:cNvPr>
@@ -14560,7 +14552,7 @@
           <p:cNvPr id="15" name="Espace réservé du numéro de diapositive 3">
             <a:extLst>
               <a:ext uri="{FF2B5EF4-FFF2-40B4-BE49-F238E27FC236}">
-                <a16:creationId xmlns="" xmlns:a16="http://schemas.microsoft.com/office/drawing/2014/main" id="{46FC8660-C100-405D-A8DA-B62E957730C5}"/>
+                <a16:creationId xmlns:a16="http://schemas.microsoft.com/office/drawing/2014/main" xmlns="" id="{46FC8660-C100-405D-A8DA-B62E957730C5}"/>
               </a:ext>
             </a:extLst>
           </p:cNvPr>
@@ -15288,7 +15280,6 @@
               <a:rPr lang="fr-FR" dirty="0"/>
               <a:t>~ 1g KI</a:t>
             </a:r>
-            <a:endParaRPr lang="fr-FR" dirty="0"/>
           </a:p>
         </p:txBody>
       </p:sp>
@@ -15297,7 +15288,7 @@
           <p:cNvPr id="32" name="Arc 31">
             <a:extLst>
               <a:ext uri="{FF2B5EF4-FFF2-40B4-BE49-F238E27FC236}">
-                <a16:creationId xmlns="" xmlns:a16="http://schemas.microsoft.com/office/drawing/2014/main" id="{4A521114-9965-4B58-AE4D-7DB73232A2A7}"/>
+                <a16:creationId xmlns:a16="http://schemas.microsoft.com/office/drawing/2014/main" xmlns="" id="{4A521114-9965-4B58-AE4D-7DB73232A2A7}"/>
               </a:ext>
             </a:extLst>
           </p:cNvPr>
@@ -15378,7 +15369,7 @@
           <p:cNvPr id="4" name="Espace réservé du numéro de diapositive 3">
             <a:extLst>
               <a:ext uri="{FF2B5EF4-FFF2-40B4-BE49-F238E27FC236}">
-                <a16:creationId xmlns="" xmlns:a16="http://schemas.microsoft.com/office/drawing/2014/main" id="{46FC8660-C100-405D-A8DA-B62E957730C5}"/>
+                <a16:creationId xmlns:a16="http://schemas.microsoft.com/office/drawing/2014/main" xmlns="" id="{46FC8660-C100-405D-A8DA-B62E957730C5}"/>
               </a:ext>
             </a:extLst>
           </p:cNvPr>
@@ -15407,7 +15398,7 @@
           <p:cNvPr id="6" name="Espace réservé du contenu 5">
             <a:extLst>
               <a:ext uri="{FF2B5EF4-FFF2-40B4-BE49-F238E27FC236}">
-                <a16:creationId xmlns="" xmlns:a16="http://schemas.microsoft.com/office/drawing/2014/main" id="{39D40C15-FCA8-4729-AE40-3AF0CD2156F5}"/>
+                <a16:creationId xmlns:a16="http://schemas.microsoft.com/office/drawing/2014/main" xmlns="" id="{39D40C15-FCA8-4729-AE40-3AF0CD2156F5}"/>
               </a:ext>
             </a:extLst>
           </p:cNvPr>
@@ -15451,7 +15442,7 @@
           <p:cNvPr id="7" name="Ellipse 6">
             <a:extLst>
               <a:ext uri="{FF2B5EF4-FFF2-40B4-BE49-F238E27FC236}">
-                <a16:creationId xmlns="" xmlns:a16="http://schemas.microsoft.com/office/drawing/2014/main" id="{21482228-4E73-4CBB-901D-ECC186FCC564}"/>
+                <a16:creationId xmlns:a16="http://schemas.microsoft.com/office/drawing/2014/main" xmlns="" id="{21482228-4E73-4CBB-901D-ECC186FCC564}"/>
               </a:ext>
             </a:extLst>
           </p:cNvPr>
@@ -15505,7 +15496,7 @@
           <p:cNvPr id="8" name="Ellipse 7">
             <a:extLst>
               <a:ext uri="{FF2B5EF4-FFF2-40B4-BE49-F238E27FC236}">
-                <a16:creationId xmlns="" xmlns:a16="http://schemas.microsoft.com/office/drawing/2014/main" id="{9167824B-5752-41FE-BB3E-342EEDB6E8EC}"/>
+                <a16:creationId xmlns:a16="http://schemas.microsoft.com/office/drawing/2014/main" xmlns="" id="{9167824B-5752-41FE-BB3E-342EEDB6E8EC}"/>
               </a:ext>
             </a:extLst>
           </p:cNvPr>
@@ -15559,7 +15550,7 @@
           <p:cNvPr id="9" name="Ellipse 8">
             <a:extLst>
               <a:ext uri="{FF2B5EF4-FFF2-40B4-BE49-F238E27FC236}">
-                <a16:creationId xmlns="" xmlns:a16="http://schemas.microsoft.com/office/drawing/2014/main" id="{1E07F556-3686-49BA-B28A-CEB8E4AD80FB}"/>
+                <a16:creationId xmlns:a16="http://schemas.microsoft.com/office/drawing/2014/main" xmlns="" id="{1E07F556-3686-49BA-B28A-CEB8E4AD80FB}"/>
               </a:ext>
             </a:extLst>
           </p:cNvPr>
@@ -15613,7 +15604,7 @@
           <p:cNvPr id="10" name="Ellipse 9">
             <a:extLst>
               <a:ext uri="{FF2B5EF4-FFF2-40B4-BE49-F238E27FC236}">
-                <a16:creationId xmlns="" xmlns:a16="http://schemas.microsoft.com/office/drawing/2014/main" id="{867DE208-0EDD-401E-9DCD-EDA5A7918403}"/>
+                <a16:creationId xmlns:a16="http://schemas.microsoft.com/office/drawing/2014/main" xmlns="" id="{867DE208-0EDD-401E-9DCD-EDA5A7918403}"/>
               </a:ext>
             </a:extLst>
           </p:cNvPr>
@@ -15667,7 +15658,7 @@
           <p:cNvPr id="11" name="Ellipse 10">
             <a:extLst>
               <a:ext uri="{FF2B5EF4-FFF2-40B4-BE49-F238E27FC236}">
-                <a16:creationId xmlns="" xmlns:a16="http://schemas.microsoft.com/office/drawing/2014/main" id="{621B3A77-7B8C-4466-8031-8D25B95BAC5D}"/>
+                <a16:creationId xmlns:a16="http://schemas.microsoft.com/office/drawing/2014/main" xmlns="" id="{621B3A77-7B8C-4466-8031-8D25B95BAC5D}"/>
               </a:ext>
             </a:extLst>
           </p:cNvPr>
@@ -15721,7 +15712,7 @@
           <p:cNvPr id="23" name="ZoneTexte 22">
             <a:extLst>
               <a:ext uri="{FF2B5EF4-FFF2-40B4-BE49-F238E27FC236}">
-                <a16:creationId xmlns="" xmlns:a16="http://schemas.microsoft.com/office/drawing/2014/main" id="{4BADE8FF-70E6-4B9E-91A7-E481C3F07E08}"/>
+                <a16:creationId xmlns:a16="http://schemas.microsoft.com/office/drawing/2014/main" xmlns="" id="{4BADE8FF-70E6-4B9E-91A7-E481C3F07E08}"/>
               </a:ext>
             </a:extLst>
           </p:cNvPr>
@@ -15792,7 +15783,7 @@
           <p:cNvPr id="25" name="Rectangle 24">
             <a:extLst>
               <a:ext uri="{FF2B5EF4-FFF2-40B4-BE49-F238E27FC236}">
-                <a16:creationId xmlns="" xmlns:a16="http://schemas.microsoft.com/office/drawing/2014/main" id="{1907EAC4-DE01-43E3-A9EE-64C5266646AF}"/>
+                <a16:creationId xmlns:a16="http://schemas.microsoft.com/office/drawing/2014/main" xmlns="" id="{1907EAC4-DE01-43E3-A9EE-64C5266646AF}"/>
               </a:ext>
             </a:extLst>
           </p:cNvPr>
@@ -15839,7 +15830,7 @@
           <p:cNvPr id="26" name="Rectangle 25">
             <a:extLst>
               <a:ext uri="{FF2B5EF4-FFF2-40B4-BE49-F238E27FC236}">
-                <a16:creationId xmlns="" xmlns:a16="http://schemas.microsoft.com/office/drawing/2014/main" id="{9BFCAF70-ADCE-40FF-8265-7CBF3C1F2087}"/>
+                <a16:creationId xmlns:a16="http://schemas.microsoft.com/office/drawing/2014/main" xmlns="" id="{9BFCAF70-ADCE-40FF-8265-7CBF3C1F2087}"/>
               </a:ext>
             </a:extLst>
           </p:cNvPr>
@@ -15890,7 +15881,7 @@
           <p:cNvPr id="27" name="Rectangle 26">
             <a:extLst>
               <a:ext uri="{FF2B5EF4-FFF2-40B4-BE49-F238E27FC236}">
-                <a16:creationId xmlns="" xmlns:a16="http://schemas.microsoft.com/office/drawing/2014/main" id="{7676ACE3-0006-4BFE-BD4C-F35733F7C508}"/>
+                <a16:creationId xmlns:a16="http://schemas.microsoft.com/office/drawing/2014/main" xmlns="" id="{7676ACE3-0006-4BFE-BD4C-F35733F7C508}"/>
               </a:ext>
             </a:extLst>
           </p:cNvPr>
@@ -16023,7 +16014,7 @@
           <p:cNvPr id="15" name="Espace réservé du numéro de diapositive 3">
             <a:extLst>
               <a:ext uri="{FF2B5EF4-FFF2-40B4-BE49-F238E27FC236}">
-                <a16:creationId xmlns="" xmlns:a16="http://schemas.microsoft.com/office/drawing/2014/main" id="{46FC8660-C100-405D-A8DA-B62E957730C5}"/>
+                <a16:creationId xmlns:a16="http://schemas.microsoft.com/office/drawing/2014/main" xmlns="" id="{46FC8660-C100-405D-A8DA-B62E957730C5}"/>
               </a:ext>
             </a:extLst>
           </p:cNvPr>
@@ -16787,11 +16778,7 @@
           <a:p>
             <a:r>
               <a:rPr lang="fr-FR" dirty="0" smtClean="0"/>
-              <a:t>Diagramme potentiel-pH du </a:t>
-            </a:r>
-            <a:r>
-              <a:rPr lang="fr-FR" dirty="0" smtClean="0"/>
-              <a:t>fer</a:t>
+              <a:t>Diagramme potentiel-pH du fer</a:t>
             </a:r>
             <a:endParaRPr lang="fr-FR" dirty="0"/>
           </a:p>
@@ -17173,7 +17160,7 @@
           <p:cNvPr id="3" name="Titre 2">
             <a:extLst>
               <a:ext uri="{FF2B5EF4-FFF2-40B4-BE49-F238E27FC236}">
-                <a16:creationId xmlns="" xmlns:a16="http://schemas.microsoft.com/office/drawing/2014/main" id="{2EBA85FE-F073-486F-8EEF-8FE0F073E7C2}"/>
+                <a16:creationId xmlns:a16="http://schemas.microsoft.com/office/drawing/2014/main" xmlns="" id="{2EBA85FE-F073-486F-8EEF-8FE0F073E7C2}"/>
               </a:ext>
             </a:extLst>
           </p:cNvPr>
@@ -17211,7 +17198,7 @@
           <p:cNvPr id="2" name="Espace réservé du numéro de diapositive 1">
             <a:extLst>
               <a:ext uri="{FF2B5EF4-FFF2-40B4-BE49-F238E27FC236}">
-                <a16:creationId xmlns="" xmlns:a16="http://schemas.microsoft.com/office/drawing/2014/main" id="{D948592D-3AFF-4E13-989B-575F820D014D}"/>
+                <a16:creationId xmlns:a16="http://schemas.microsoft.com/office/drawing/2014/main" xmlns="" id="{D948592D-3AFF-4E13-989B-575F820D014D}"/>
               </a:ext>
             </a:extLst>
           </p:cNvPr>
@@ -17240,7 +17227,7 @@
           <p:cNvPr id="4" name="ZoneTexte 3">
             <a:extLst>
               <a:ext uri="{FF2B5EF4-FFF2-40B4-BE49-F238E27FC236}">
-                <a16:creationId xmlns="" xmlns:a16="http://schemas.microsoft.com/office/drawing/2014/main" id="{7071062C-5969-42BA-87CB-9FF05CD8CECD}"/>
+                <a16:creationId xmlns:a16="http://schemas.microsoft.com/office/drawing/2014/main" xmlns="" id="{7071062C-5969-42BA-87CB-9FF05CD8CECD}"/>
               </a:ext>
             </a:extLst>
           </p:cNvPr>
@@ -17856,15 +17843,7 @@
             </a:r>
             <a:r>
               <a:rPr lang="fr-FR" dirty="0" smtClean="0"/>
-              <a:t> connu </a:t>
-            </a:r>
-            <a:r>
-              <a:rPr lang="fr-FR" dirty="0" smtClean="0"/>
-              <a:t>;  </a:t>
-            </a:r>
-            <a:r>
-              <a:rPr lang="fr-FR" dirty="0" smtClean="0"/>
-              <a:t>[I</a:t>
+              <a:t> connu ;  [I</a:t>
             </a:r>
             <a:r>
               <a:rPr lang="fr-FR" baseline="-25000" dirty="0" smtClean="0"/>
@@ -17872,11 +17851,7 @@
             </a:r>
             <a:r>
               <a:rPr lang="fr-FR" dirty="0" smtClean="0"/>
-              <a:t>] </a:t>
-            </a:r>
-            <a:r>
-              <a:rPr lang="fr-FR" dirty="0" smtClean="0"/>
-              <a:t>= ?</a:t>
+              <a:t>] = ?</a:t>
             </a:r>
             <a:endParaRPr lang="fr-FR" dirty="0"/>
           </a:p>
@@ -18359,7 +18334,7 @@
           <p:cNvPr id="12" name="Image 11">
             <a:extLst>
               <a:ext uri="{FF2B5EF4-FFF2-40B4-BE49-F238E27FC236}">
-                <a16:creationId xmlns="" xmlns:a16="http://schemas.microsoft.com/office/drawing/2014/main" id="{CFFC6A50-DA55-424C-A72F-E0C6A6458733}"/>
+                <a16:creationId xmlns:a16="http://schemas.microsoft.com/office/drawing/2014/main" xmlns="" id="{CFFC6A50-DA55-424C-A72F-E0C6A6458733}"/>
               </a:ext>
             </a:extLst>
           </p:cNvPr>
@@ -18398,7 +18373,7 @@
           <p:cNvPr id="13" name="ZoneTexte 12">
             <a:extLst>
               <a:ext uri="{FF2B5EF4-FFF2-40B4-BE49-F238E27FC236}">
-                <a16:creationId xmlns="" xmlns:a16="http://schemas.microsoft.com/office/drawing/2014/main" id="{7BCAE3D0-2CAF-43E3-82D2-47B0C739670D}"/>
+                <a16:creationId xmlns:a16="http://schemas.microsoft.com/office/drawing/2014/main" xmlns="" id="{7BCAE3D0-2CAF-43E3-82D2-47B0C739670D}"/>
               </a:ext>
             </a:extLst>
           </p:cNvPr>
@@ -18433,7 +18408,7 @@
           <p:cNvPr id="14" name="Connecteur droit avec flèche 13">
             <a:extLst>
               <a:ext uri="{FF2B5EF4-FFF2-40B4-BE49-F238E27FC236}">
-                <a16:creationId xmlns="" xmlns:a16="http://schemas.microsoft.com/office/drawing/2014/main" id="{96BFE950-BFC3-4C31-AFFB-EC23B8D91F22}"/>
+                <a16:creationId xmlns:a16="http://schemas.microsoft.com/office/drawing/2014/main" xmlns="" id="{96BFE950-BFC3-4C31-AFFB-EC23B8D91F22}"/>
               </a:ext>
             </a:extLst>
           </p:cNvPr>
@@ -18852,7 +18827,7 @@
           <p:cNvPr id="24" name="Connecteur droit avec flèche 23">
             <a:extLst>
               <a:ext uri="{FF2B5EF4-FFF2-40B4-BE49-F238E27FC236}">
-                <a16:creationId xmlns="" xmlns:a16="http://schemas.microsoft.com/office/drawing/2014/main" id="{9A1D159E-2E1B-47A1-83E5-6D4C9F559F2A}"/>
+                <a16:creationId xmlns:a16="http://schemas.microsoft.com/office/drawing/2014/main" xmlns="" id="{9A1D159E-2E1B-47A1-83E5-6D4C9F559F2A}"/>
               </a:ext>
             </a:extLst>
           </p:cNvPr>
@@ -18893,7 +18868,7 @@
           <p:cNvPr id="25" name="ZoneTexte 24">
             <a:extLst>
               <a:ext uri="{FF2B5EF4-FFF2-40B4-BE49-F238E27FC236}">
-                <a16:creationId xmlns="" xmlns:a16="http://schemas.microsoft.com/office/drawing/2014/main" id="{03D0E732-69F9-4957-B167-D86A28F3E196}"/>
+                <a16:creationId xmlns:a16="http://schemas.microsoft.com/office/drawing/2014/main" xmlns="" id="{03D0E732-69F9-4957-B167-D86A28F3E196}"/>
               </a:ext>
             </a:extLst>
           </p:cNvPr>
@@ -19491,7 +19466,7 @@
         </p:nvSpPr>
         <p:spPr>
           <a:xfrm>
-            <a:off x="311700" y="276545"/>
+            <a:off x="298742" y="108065"/>
             <a:ext cx="8520600" cy="572700"/>
           </a:xfrm>
         </p:spPr>
@@ -19501,7 +19476,7 @@
           <a:p>
             <a:r>
               <a:rPr lang="fr-FR" dirty="0" smtClean="0"/>
-              <a:t>Diagramme potentiel-pH de l’iode</a:t>
+              <a:t>Diagramme potentiel-pH du fer</a:t>
             </a:r>
             <a:endParaRPr lang="fr-FR" dirty="0"/>
           </a:p>
@@ -19530,30 +19505,6 @@
           </a:p>
         </p:txBody>
       </p:sp>
-      <p:pic>
-        <p:nvPicPr>
-          <p:cNvPr id="6" name="Espace réservé du contenu 5"/>
-          <p:cNvPicPr>
-            <a:picLocks noChangeAspect="1"/>
-          </p:cNvPicPr>
-          <p:nvPr/>
-        </p:nvPicPr>
-        <p:blipFill>
-          <a:blip r:embed="rId2"/>
-          <a:stretch>
-            <a:fillRect/>
-          </a:stretch>
-        </p:blipFill>
-        <p:spPr>
-          <a:xfrm rot="16200000">
-            <a:off x="1821105" y="435365"/>
-            <a:ext cx="3706562" cy="5116787"/>
-          </a:xfrm>
-          <a:prstGeom prst="rect">
-            <a:avLst/>
-          </a:prstGeom>
-        </p:spPr>
-      </p:pic>
       <p:sp>
         <p:nvSpPr>
           <p:cNvPr id="3" name="Rectangle 2"/>
@@ -19644,46 +19595,69 @@
           </a:p>
         </p:txBody>
       </p:sp>
-      <p:cxnSp>
-        <p:nvCxnSpPr>
-          <p:cNvPr id="9" name="Connecteur droit 8"/>
-          <p:cNvCxnSpPr/>
-          <p:nvPr/>
-        </p:nvCxnSpPr>
-        <p:spPr>
-          <a:xfrm>
-            <a:off x="2171497" y="1931040"/>
-            <a:ext cx="3102704" cy="2151360"/>
-          </a:xfrm>
-          <a:prstGeom prst="line">
-            <a:avLst/>
-          </a:prstGeom>
-          <a:ln>
-            <a:solidFill>
-              <a:schemeClr val="tx1"/>
-            </a:solidFill>
-          </a:ln>
-          <a:effectLst/>
-        </p:spPr>
-        <p:style>
-          <a:lnRef idx="2">
-            <a:schemeClr val="accent1"/>
-          </a:lnRef>
-          <a:fillRef idx="0">
-            <a:schemeClr val="accent1"/>
-          </a:fillRef>
-          <a:effectRef idx="1">
-            <a:schemeClr val="accent1"/>
-          </a:effectRef>
-          <a:fontRef idx="minor">
-            <a:schemeClr val="tx1"/>
-          </a:fontRef>
-        </p:style>
-      </p:cxnSp>
+      <p:sp>
+        <p:nvSpPr>
+          <p:cNvPr id="6" name="ZoneTexte 5"/>
+          <p:cNvSpPr txBox="1"/>
+          <p:nvPr/>
+        </p:nvSpPr>
+        <p:spPr>
+          <a:xfrm>
+            <a:off x="83088" y="4723652"/>
+            <a:ext cx="1042899" cy="307777"/>
+          </a:xfrm>
+          <a:prstGeom prst="rect">
+            <a:avLst/>
+          </a:prstGeom>
+          <a:noFill/>
+        </p:spPr>
+        <p:txBody>
+          <a:bodyPr wrap="none" rtlCol="0">
+            <a:spAutoFit/>
+          </a:bodyPr>
+          <a:lstStyle/>
+          <a:p>
+            <a:r>
+              <a:rPr lang="fr-FR" dirty="0" err="1" smtClean="0"/>
+              <a:t>Chimigéné</a:t>
+            </a:r>
+            <a:endParaRPr lang="fr-FR" dirty="0"/>
+          </a:p>
+        </p:txBody>
+      </p:sp>
+      <p:pic>
+        <p:nvPicPr>
+          <p:cNvPr id="8" name="Image 7" descr="Capture d’écran (8).png"/>
+          <p:cNvPicPr>
+            <a:picLocks noChangeAspect="1"/>
+          </p:cNvPicPr>
+          <p:nvPr/>
+        </p:nvPicPr>
+        <p:blipFill rotWithShape="1">
+          <a:blip r:embed="rId2">
+            <a:extLst>
+              <a:ext uri="{28A0092B-C50C-407E-A947-70E740481C1C}">
+                <a14:useLocalDpi xmlns:a14="http://schemas.microsoft.com/office/drawing/2010/main" val="0"/>
+              </a:ext>
+            </a:extLst>
+          </a:blip>
+          <a:srcRect l="11822" t="13870" r="22422" b="26213"/>
+          <a:stretch/>
+        </p:blipFill>
+        <p:spPr>
+          <a:xfrm>
+            <a:off x="442394" y="727651"/>
+            <a:ext cx="5694040" cy="3891285"/>
+          </a:xfrm>
+          <a:prstGeom prst="rect">
+            <a:avLst/>
+          </a:prstGeom>
+        </p:spPr>
+      </p:pic>
     </p:spTree>
     <p:extLst>
       <p:ext uri="{BB962C8B-B14F-4D97-AF65-F5344CB8AC3E}">
-        <p14:creationId xmlns:p14="http://schemas.microsoft.com/office/powerpoint/2010/main" val="3159605404"/>
+        <p14:creationId xmlns:p14="http://schemas.microsoft.com/office/powerpoint/2010/main" val="1885154150"/>
       </p:ext>
     </p:extLst>
   </p:cSld>
@@ -19767,9 +19741,69 @@
           </a:p>
         </p:txBody>
       </p:sp>
+      <p:sp>
+        <p:nvSpPr>
+          <p:cNvPr id="14" name="ZoneTexte 13"/>
+          <p:cNvSpPr txBox="1"/>
+          <p:nvPr/>
+        </p:nvSpPr>
+        <p:spPr>
+          <a:xfrm>
+            <a:off x="6646945" y="1341138"/>
+            <a:ext cx="184666" cy="307777"/>
+          </a:xfrm>
+          <a:prstGeom prst="rect">
+            <a:avLst/>
+          </a:prstGeom>
+          <a:noFill/>
+        </p:spPr>
+        <p:txBody>
+          <a:bodyPr wrap="none" rtlCol="0">
+            <a:spAutoFit/>
+          </a:bodyPr>
+          <a:lstStyle/>
+          <a:p>
+            <a:endParaRPr lang="fr-FR" dirty="0"/>
+          </a:p>
+        </p:txBody>
+      </p:sp>
+      <p:sp>
+        <p:nvSpPr>
+          <p:cNvPr id="17" name="ZoneTexte 16"/>
+          <p:cNvSpPr txBox="1"/>
+          <p:nvPr/>
+        </p:nvSpPr>
+        <p:spPr>
+          <a:xfrm>
+            <a:off x="201782" y="4835723"/>
+            <a:ext cx="1042899" cy="307777"/>
+          </a:xfrm>
+          <a:prstGeom prst="rect">
+            <a:avLst/>
+          </a:prstGeom>
+          <a:noFill/>
+        </p:spPr>
+        <p:txBody>
+          <a:bodyPr wrap="none" rtlCol="0">
+            <a:spAutoFit/>
+          </a:bodyPr>
+          <a:lstStyle/>
+          <a:p>
+            <a:r>
+              <a:rPr lang="fr-FR" dirty="0" err="1"/>
+              <a:t>C</a:t>
+            </a:r>
+            <a:r>
+              <a:rPr lang="fr-FR" dirty="0" err="1" smtClean="0"/>
+              <a:t>himigéné</a:t>
+            </a:r>
+            <a:endParaRPr lang="fr-FR" dirty="0"/>
+          </a:p>
+        </p:txBody>
+      </p:sp>
       <p:pic>
         <p:nvPicPr>
-          <p:cNvPr id="5" name="Espace réservé du contenu 8"/>
+          <p:cNvPr id="6" name="Image 5" descr="Capture d’écran (7).png"/>
           <p:cNvPicPr>
             <a:picLocks noChangeAspect="1"/>
           </p:cNvPicPr>
@@ -19783,79 +19817,19 @@
               </a:ext>
             </a:extLst>
           </a:blip>
-          <a:srcRect l="3334" t="4871" r="8183" b="5286"/>
+          <a:srcRect l="11653" t="14425" r="21134" b="25936"/>
           <a:stretch/>
         </p:blipFill>
         <p:spPr>
           <a:xfrm>
-            <a:off x="140802" y="1058430"/>
-            <a:ext cx="5804876" cy="3966385"/>
+            <a:off x="413847" y="927400"/>
+            <a:ext cx="5779664" cy="3846310"/>
           </a:xfrm>
           <a:prstGeom prst="rect">
             <a:avLst/>
           </a:prstGeom>
         </p:spPr>
       </p:pic>
-      <p:sp>
-        <p:nvSpPr>
-          <p:cNvPr id="14" name="ZoneTexte 13"/>
-          <p:cNvSpPr txBox="1"/>
-          <p:nvPr/>
-        </p:nvSpPr>
-        <p:spPr>
-          <a:xfrm>
-            <a:off x="6646945" y="1341138"/>
-            <a:ext cx="184666" cy="307777"/>
-          </a:xfrm>
-          <a:prstGeom prst="rect">
-            <a:avLst/>
-          </a:prstGeom>
-          <a:noFill/>
-        </p:spPr>
-        <p:txBody>
-          <a:bodyPr wrap="none" rtlCol="0">
-            <a:spAutoFit/>
-          </a:bodyPr>
-          <a:lstStyle/>
-          <a:p>
-            <a:endParaRPr lang="fr-FR" dirty="0"/>
-          </a:p>
-        </p:txBody>
-      </p:sp>
-      <p:sp>
-        <p:nvSpPr>
-          <p:cNvPr id="17" name="ZoneTexte 16"/>
-          <p:cNvSpPr txBox="1"/>
-          <p:nvPr/>
-        </p:nvSpPr>
-        <p:spPr>
-          <a:xfrm>
-            <a:off x="201782" y="4835723"/>
-            <a:ext cx="1042899" cy="307777"/>
-          </a:xfrm>
-          <a:prstGeom prst="rect">
-            <a:avLst/>
-          </a:prstGeom>
-          <a:noFill/>
-        </p:spPr>
-        <p:txBody>
-          <a:bodyPr wrap="none" rtlCol="0">
-            <a:spAutoFit/>
-          </a:bodyPr>
-          <a:lstStyle/>
-          <a:p>
-            <a:r>
-              <a:rPr lang="fr-FR" dirty="0" err="1"/>
-              <a:t>C</a:t>
-            </a:r>
-            <a:r>
-              <a:rPr lang="fr-FR" dirty="0" err="1" smtClean="0"/>
-              <a:t>himigéné</a:t>
-            </a:r>
-            <a:endParaRPr lang="fr-FR" dirty="0"/>
-          </a:p>
-        </p:txBody>
-      </p:sp>
     </p:spTree>
     <p:extLst>
       <p:ext uri="{BB962C8B-B14F-4D97-AF65-F5344CB8AC3E}">
@@ -19943,35 +19917,6 @@
           </a:p>
         </p:txBody>
       </p:sp>
-      <p:pic>
-        <p:nvPicPr>
-          <p:cNvPr id="5" name="Espace réservé du contenu 8"/>
-          <p:cNvPicPr>
-            <a:picLocks noChangeAspect="1"/>
-          </p:cNvPicPr>
-          <p:nvPr/>
-        </p:nvPicPr>
-        <p:blipFill rotWithShape="1">
-          <a:blip r:embed="rId2">
-            <a:extLst>
-              <a:ext uri="{28A0092B-C50C-407E-A947-70E740481C1C}">
-                <a14:useLocalDpi xmlns:a14="http://schemas.microsoft.com/office/drawing/2010/main" val="0"/>
-              </a:ext>
-            </a:extLst>
-          </a:blip>
-          <a:srcRect l="3334" t="4871" r="8183" b="5286"/>
-          <a:stretch/>
-        </p:blipFill>
-        <p:spPr>
-          <a:xfrm>
-            <a:off x="140802" y="1058430"/>
-            <a:ext cx="5804876" cy="3966385"/>
-          </a:xfrm>
-          <a:prstGeom prst="rect">
-            <a:avLst/>
-          </a:prstGeom>
-        </p:spPr>
-      </p:pic>
       <p:sp>
         <p:nvSpPr>
           <p:cNvPr id="14" name="ZoneTexte 13"/>
@@ -20037,7 +19982,7 @@
           <p:cNvPr id="17" name="Image 16">
             <a:extLst>
               <a:ext uri="{FF2B5EF4-FFF2-40B4-BE49-F238E27FC236}">
-                <a16:creationId xmlns="" xmlns:a16="http://schemas.microsoft.com/office/drawing/2014/main" id="{0EDB6AE1-2739-4380-80E2-3D03EE50543D}"/>
+                <a16:creationId xmlns:a16="http://schemas.microsoft.com/office/drawing/2014/main" xmlns="" id="{0EDB6AE1-2739-4380-80E2-3D03EE50543D}"/>
               </a:ext>
             </a:extLst>
           </p:cNvPr>
@@ -20047,7 +19992,7 @@
           <p:nvPr/>
         </p:nvPicPr>
         <p:blipFill rotWithShape="1">
-          <a:blip r:embed="rId3" cstate="print">
+          <a:blip r:embed="rId2" cstate="print">
             <a:extLst>
               <a:ext uri="{28A0092B-C50C-407E-A947-70E740481C1C}">
                 <a14:useLocalDpi xmlns:a14="http://schemas.microsoft.com/office/drawing/2010/main" val="0"/>
@@ -20072,7 +20017,7 @@
           <p:cNvPr id="18" name="Arc 17">
             <a:extLst>
               <a:ext uri="{FF2B5EF4-FFF2-40B4-BE49-F238E27FC236}">
-                <a16:creationId xmlns="" xmlns:a16="http://schemas.microsoft.com/office/drawing/2014/main" id="{4A521114-9965-4B58-AE4D-7DB73232A2A7}"/>
+                <a16:creationId xmlns:a16="http://schemas.microsoft.com/office/drawing/2014/main" xmlns="" id="{4A521114-9965-4B58-AE4D-7DB73232A2A7}"/>
               </a:ext>
             </a:extLst>
           </p:cNvPr>
@@ -20159,7 +20104,7 @@
           <p:cNvPr id="20" name="Arc 19">
             <a:extLst>
               <a:ext uri="{FF2B5EF4-FFF2-40B4-BE49-F238E27FC236}">
-                <a16:creationId xmlns="" xmlns:a16="http://schemas.microsoft.com/office/drawing/2014/main" id="{4A521114-9965-4B58-AE4D-7DB73232A2A7}"/>
+                <a16:creationId xmlns:a16="http://schemas.microsoft.com/office/drawing/2014/main" xmlns="" id="{4A521114-9965-4B58-AE4D-7DB73232A2A7}"/>
               </a:ext>
             </a:extLst>
           </p:cNvPr>
@@ -20292,6 +20237,35 @@
           </a:p>
         </p:txBody>
       </p:sp>
+      <p:pic>
+        <p:nvPicPr>
+          <p:cNvPr id="13" name="Image 12" descr="Capture d’écran (7).png"/>
+          <p:cNvPicPr>
+            <a:picLocks noChangeAspect="1"/>
+          </p:cNvPicPr>
+          <p:nvPr/>
+        </p:nvPicPr>
+        <p:blipFill rotWithShape="1">
+          <a:blip r:embed="rId3">
+            <a:extLst>
+              <a:ext uri="{28A0092B-C50C-407E-A947-70E740481C1C}">
+                <a14:useLocalDpi xmlns:a14="http://schemas.microsoft.com/office/drawing/2010/main" val="0"/>
+              </a:ext>
+            </a:extLst>
+          </a:blip>
+          <a:srcRect l="11653" t="14425" r="21134" b="25936"/>
+          <a:stretch/>
+        </p:blipFill>
+        <p:spPr>
+          <a:xfrm>
+            <a:off x="114163" y="927400"/>
+            <a:ext cx="5779664" cy="3846310"/>
+          </a:xfrm>
+          <a:prstGeom prst="rect">
+            <a:avLst/>
+          </a:prstGeom>
+        </p:spPr>
+      </p:pic>
     </p:spTree>
     <p:extLst>
       <p:ext uri="{BB962C8B-B14F-4D97-AF65-F5344CB8AC3E}">
@@ -20381,39 +20355,10 @@
       </p:sp>
       <p:pic>
         <p:nvPicPr>
-          <p:cNvPr id="5" name="Espace réservé du contenu 8"/>
-          <p:cNvPicPr>
-            <a:picLocks noChangeAspect="1"/>
-          </p:cNvPicPr>
-          <p:nvPr/>
-        </p:nvPicPr>
-        <p:blipFill rotWithShape="1">
-          <a:blip r:embed="rId2">
-            <a:extLst>
-              <a:ext uri="{28A0092B-C50C-407E-A947-70E740481C1C}">
-                <a14:useLocalDpi xmlns:a14="http://schemas.microsoft.com/office/drawing/2010/main" val="0"/>
-              </a:ext>
-            </a:extLst>
-          </a:blip>
-          <a:srcRect l="3334" t="4871" r="8183" b="5286"/>
-          <a:stretch/>
-        </p:blipFill>
-        <p:spPr>
-          <a:xfrm>
-            <a:off x="140802" y="1058430"/>
-            <a:ext cx="5804876" cy="3966385"/>
-          </a:xfrm>
-          <a:prstGeom prst="rect">
-            <a:avLst/>
-          </a:prstGeom>
-        </p:spPr>
-      </p:pic>
-      <p:pic>
-        <p:nvPicPr>
           <p:cNvPr id="8" name="Image 7">
             <a:extLst>
               <a:ext uri="{FF2B5EF4-FFF2-40B4-BE49-F238E27FC236}">
-                <a16:creationId xmlns="" xmlns:a16="http://schemas.microsoft.com/office/drawing/2014/main" id="{0EDB6AE1-2739-4380-80E2-3D03EE50543D}"/>
+                <a16:creationId xmlns:a16="http://schemas.microsoft.com/office/drawing/2014/main" xmlns="" id="{0EDB6AE1-2739-4380-80E2-3D03EE50543D}"/>
               </a:ext>
             </a:extLst>
           </p:cNvPr>
@@ -20423,7 +20368,7 @@
           <p:nvPr/>
         </p:nvPicPr>
         <p:blipFill rotWithShape="1">
-          <a:blip r:embed="rId3" cstate="print">
+          <a:blip r:embed="rId2" cstate="print">
             <a:extLst>
               <a:ext uri="{28A0092B-C50C-407E-A947-70E740481C1C}">
                 <a14:useLocalDpi xmlns:a14="http://schemas.microsoft.com/office/drawing/2010/main" val="0"/>
@@ -20448,7 +20393,7 @@
           <p:cNvPr id="9" name="Rectangle 8">
             <a:extLst>
               <a:ext uri="{FF2B5EF4-FFF2-40B4-BE49-F238E27FC236}">
-                <a16:creationId xmlns="" xmlns:a16="http://schemas.microsoft.com/office/drawing/2014/main" id="{B890A96C-16A1-4836-8127-39503A86851E}"/>
+                <a16:creationId xmlns:a16="http://schemas.microsoft.com/office/drawing/2014/main" xmlns="" id="{B890A96C-16A1-4836-8127-39503A86851E}"/>
               </a:ext>
             </a:extLst>
           </p:cNvPr>
@@ -20600,7 +20545,7 @@
           <p:cNvPr id="10" name="Ellipse 9">
             <a:extLst>
               <a:ext uri="{FF2B5EF4-FFF2-40B4-BE49-F238E27FC236}">
-                <a16:creationId xmlns="" xmlns:a16="http://schemas.microsoft.com/office/drawing/2014/main" id="{F5221569-AEFD-4962-9321-3D819DBD73C8}"/>
+                <a16:creationId xmlns:a16="http://schemas.microsoft.com/office/drawing/2014/main" xmlns="" id="{F5221569-AEFD-4962-9321-3D819DBD73C8}"/>
               </a:ext>
             </a:extLst>
           </p:cNvPr>
@@ -20752,7 +20697,7 @@
           <p:cNvPr id="12" name="Arc 11">
             <a:extLst>
               <a:ext uri="{FF2B5EF4-FFF2-40B4-BE49-F238E27FC236}">
-                <a16:creationId xmlns="" xmlns:a16="http://schemas.microsoft.com/office/drawing/2014/main" id="{4A521114-9965-4B58-AE4D-7DB73232A2A7}"/>
+                <a16:creationId xmlns:a16="http://schemas.microsoft.com/office/drawing/2014/main" xmlns="" id="{4A521114-9965-4B58-AE4D-7DB73232A2A7}"/>
               </a:ext>
             </a:extLst>
           </p:cNvPr>
@@ -20839,7 +20784,7 @@
           <p:cNvPr id="13" name="Arc 12">
             <a:extLst>
               <a:ext uri="{FF2B5EF4-FFF2-40B4-BE49-F238E27FC236}">
-                <a16:creationId xmlns="" xmlns:a16="http://schemas.microsoft.com/office/drawing/2014/main" id="{4A521114-9965-4B58-AE4D-7DB73232A2A7}"/>
+                <a16:creationId xmlns:a16="http://schemas.microsoft.com/office/drawing/2014/main" xmlns="" id="{4A521114-9965-4B58-AE4D-7DB73232A2A7}"/>
               </a:ext>
             </a:extLst>
           </p:cNvPr>
@@ -20987,6 +20932,35 @@
           </a:p>
         </p:txBody>
       </p:sp>
+      <p:pic>
+        <p:nvPicPr>
+          <p:cNvPr id="17" name="Image 16" descr="Capture d’écran (7).png"/>
+          <p:cNvPicPr>
+            <a:picLocks noChangeAspect="1"/>
+          </p:cNvPicPr>
+          <p:nvPr/>
+        </p:nvPicPr>
+        <p:blipFill rotWithShape="1">
+          <a:blip r:embed="rId3">
+            <a:extLst>
+              <a:ext uri="{28A0092B-C50C-407E-A947-70E740481C1C}">
+                <a14:useLocalDpi xmlns:a14="http://schemas.microsoft.com/office/drawing/2010/main" val="0"/>
+              </a:ext>
+            </a:extLst>
+          </a:blip>
+          <a:srcRect l="11653" t="14425" r="21134" b="25936"/>
+          <a:stretch/>
+        </p:blipFill>
+        <p:spPr>
+          <a:xfrm>
+            <a:off x="156979" y="913133"/>
+            <a:ext cx="5779664" cy="3846310"/>
+          </a:xfrm>
+          <a:prstGeom prst="rect">
+            <a:avLst/>
+          </a:prstGeom>
+        </p:spPr>
+      </p:pic>
     </p:spTree>
     <p:extLst>
       <p:ext uri="{BB962C8B-B14F-4D97-AF65-F5344CB8AC3E}">
@@ -21223,7 +21197,7 @@
           <p:cNvPr id="8" name="Image 7">
             <a:extLst>
               <a:ext uri="{FF2B5EF4-FFF2-40B4-BE49-F238E27FC236}">
-                <a16:creationId xmlns="" xmlns:a16="http://schemas.microsoft.com/office/drawing/2014/main" id="{0EDB6AE1-2739-4380-80E2-3D03EE50543D}"/>
+                <a16:creationId xmlns:a16="http://schemas.microsoft.com/office/drawing/2014/main" xmlns="" id="{0EDB6AE1-2739-4380-80E2-3D03EE50543D}"/>
               </a:ext>
             </a:extLst>
           </p:cNvPr>
@@ -21258,7 +21232,7 @@
           <p:cNvPr id="10" name="Arc 9">
             <a:extLst>
               <a:ext uri="{FF2B5EF4-FFF2-40B4-BE49-F238E27FC236}">
-                <a16:creationId xmlns="" xmlns:a16="http://schemas.microsoft.com/office/drawing/2014/main" id="{4A521114-9965-4B58-AE4D-7DB73232A2A7}"/>
+                <a16:creationId xmlns:a16="http://schemas.microsoft.com/office/drawing/2014/main" xmlns="" id="{4A521114-9965-4B58-AE4D-7DB73232A2A7}"/>
               </a:ext>
             </a:extLst>
           </p:cNvPr>
@@ -21394,7 +21368,7 @@
           <p:cNvPr id="14" name="Rectangle 13">
             <a:extLst>
               <a:ext uri="{FF2B5EF4-FFF2-40B4-BE49-F238E27FC236}">
-                <a16:creationId xmlns="" xmlns:a16="http://schemas.microsoft.com/office/drawing/2014/main" id="{B890A96C-16A1-4836-8127-39503A86851E}"/>
+                <a16:creationId xmlns:a16="http://schemas.microsoft.com/office/drawing/2014/main" xmlns="" id="{B890A96C-16A1-4836-8127-39503A86851E}"/>
               </a:ext>
             </a:extLst>
           </p:cNvPr>
@@ -21546,7 +21520,7 @@
           <p:cNvPr id="15" name="Ellipse 14">
             <a:extLst>
               <a:ext uri="{FF2B5EF4-FFF2-40B4-BE49-F238E27FC236}">
-                <a16:creationId xmlns="" xmlns:a16="http://schemas.microsoft.com/office/drawing/2014/main" id="{F5221569-AEFD-4962-9321-3D819DBD73C8}"/>
+                <a16:creationId xmlns:a16="http://schemas.microsoft.com/office/drawing/2014/main" xmlns="" id="{F5221569-AEFD-4962-9321-3D819DBD73C8}"/>
               </a:ext>
             </a:extLst>
           </p:cNvPr>
@@ -21962,7 +21936,7 @@
           <p:cNvPr id="8" name="Image 7">
             <a:extLst>
               <a:ext uri="{FF2B5EF4-FFF2-40B4-BE49-F238E27FC236}">
-                <a16:creationId xmlns="" xmlns:a16="http://schemas.microsoft.com/office/drawing/2014/main" id="{0EDB6AE1-2739-4380-80E2-3D03EE50543D}"/>
+                <a16:creationId xmlns:a16="http://schemas.microsoft.com/office/drawing/2014/main" xmlns="" id="{0EDB6AE1-2739-4380-80E2-3D03EE50543D}"/>
               </a:ext>
             </a:extLst>
           </p:cNvPr>
@@ -22336,7 +22310,7 @@
           <p:cNvPr id="8" name="Image 7">
             <a:extLst>
               <a:ext uri="{FF2B5EF4-FFF2-40B4-BE49-F238E27FC236}">
-                <a16:creationId xmlns="" xmlns:a16="http://schemas.microsoft.com/office/drawing/2014/main" id="{0EDB6AE1-2739-4380-80E2-3D03EE50543D}"/>
+                <a16:creationId xmlns:a16="http://schemas.microsoft.com/office/drawing/2014/main" xmlns="" id="{0EDB6AE1-2739-4380-80E2-3D03EE50543D}"/>
               </a:ext>
             </a:extLst>
           </p:cNvPr>
@@ -22477,7 +22451,7 @@
           <p:cNvPr id="14" name="Arc 13">
             <a:extLst>
               <a:ext uri="{FF2B5EF4-FFF2-40B4-BE49-F238E27FC236}">
-                <a16:creationId xmlns="" xmlns:a16="http://schemas.microsoft.com/office/drawing/2014/main" id="{4A521114-9965-4B58-AE4D-7DB73232A2A7}"/>
+                <a16:creationId xmlns:a16="http://schemas.microsoft.com/office/drawing/2014/main" xmlns="" id="{4A521114-9965-4B58-AE4D-7DB73232A2A7}"/>
               </a:ext>
             </a:extLst>
           </p:cNvPr>
